--- a/branding/OpenDataCrunch.pptx
+++ b/branding/OpenDataCrunch.pptx
@@ -8,9 +8,11 @@
     <p:sldId id="256" r:id="rId2"/>
     <p:sldId id="257" r:id="rId3"/>
     <p:sldId id="259" r:id="rId4"/>
-    <p:sldId id="258" r:id="rId5"/>
-    <p:sldId id="260" r:id="rId6"/>
-    <p:sldId id="261" r:id="rId7"/>
+    <p:sldId id="260" r:id="rId5"/>
+    <p:sldId id="258" r:id="rId6"/>
+    <p:sldId id="262" r:id="rId7"/>
+    <p:sldId id="263" r:id="rId8"/>
+    <p:sldId id="261" r:id="rId9"/>
   </p:sldIdLst>
   <p:sldSz cx="9144000" cy="6858000" type="screen4x3"/>
   <p:notesSz cx="6858000" cy="9144000"/>
@@ -13922,29 +13924,6 @@
       </p:grpSpPr>
       <p:sp>
         <p:nvSpPr>
-          <p:cNvPr id="2" name="Titel 1"/>
-          <p:cNvSpPr>
-            <a:spLocks noGrp="1"/>
-          </p:cNvSpPr>
-          <p:nvPr>
-            <p:ph type="title"/>
-          </p:nvPr>
-        </p:nvSpPr>
-        <p:spPr/>
-        <p:txBody>
-          <a:bodyPr/>
-          <a:lstStyle/>
-          <a:p>
-            <a:r>
-              <a:rPr lang="de-DE" dirty="0" smtClean="0"/>
-              <a:t>Motivation</a:t>
-            </a:r>
-            <a:endParaRPr lang="en-GB" dirty="0"/>
-          </a:p>
-        </p:txBody>
-      </p:sp>
-      <p:sp>
-        <p:nvSpPr>
           <p:cNvPr id="3" name="Inhaltsplatzhalter 2"/>
           <p:cNvSpPr>
             <a:spLocks noGrp="1"/>
@@ -14127,6 +14106,34 @@
           </a:prstGeom>
         </p:spPr>
       </p:pic>
+      <p:sp>
+        <p:nvSpPr>
+          <p:cNvPr id="9" name="Titel 1"/>
+          <p:cNvSpPr>
+            <a:spLocks noGrp="1"/>
+          </p:cNvSpPr>
+          <p:nvPr>
+            <p:ph type="title"/>
+          </p:nvPr>
+        </p:nvSpPr>
+        <p:spPr>
+          <a:xfrm>
+            <a:off x="1043490" y="1027664"/>
+            <a:ext cx="7024744" cy="745152"/>
+          </a:xfrm>
+        </p:spPr>
+        <p:txBody>
+          <a:bodyPr/>
+          <a:lstStyle/>
+          <a:p>
+            <a:r>
+              <a:rPr lang="de-DE" dirty="0" smtClean="0"/>
+              <a:t>Motivation</a:t>
+            </a:r>
+            <a:endParaRPr lang="en-GB" dirty="0"/>
+          </a:p>
+        </p:txBody>
+      </p:sp>
     </p:spTree>
     <p:extLst>
       <p:ext uri="{BB962C8B-B14F-4D97-AF65-F5344CB8AC3E}">
@@ -14166,117 +14173,6 @@
       </p:grpSpPr>
       <p:sp>
         <p:nvSpPr>
-          <p:cNvPr id="5" name="Textfeld 4"/>
-          <p:cNvSpPr txBox="1"/>
-          <p:nvPr/>
-        </p:nvSpPr>
-        <p:spPr>
-          <a:xfrm>
-            <a:off x="1043608" y="1412776"/>
-            <a:ext cx="7128792" cy="4524315"/>
-          </a:xfrm>
-          <a:prstGeom prst="rect">
-            <a:avLst/>
-          </a:prstGeom>
-          <a:noFill/>
-        </p:spPr>
-        <p:txBody>
-          <a:bodyPr wrap="square" rtlCol="0">
-            <a:spAutoFit/>
-          </a:bodyPr>
-          <a:lstStyle/>
-          <a:p>
-            <a:pPr marL="342900" indent="-342900">
-              <a:buFont typeface="+mj-lt"/>
-              <a:buAutoNum type="arabicPeriod"/>
-            </a:pPr>
-            <a:r>
-              <a:rPr lang="de-DE" dirty="0" smtClean="0"/>
-              <a:t>Erstellung Modell zur Vorhersage der Umweltbelastung </a:t>
-            </a:r>
-            <a:br>
-              <a:rPr lang="de-DE" dirty="0" smtClean="0"/>
-            </a:br>
-            <a:r>
-              <a:rPr lang="de-DE" dirty="0" smtClean="0"/>
-              <a:t>durch Abgleich Umwelt- und Wetterdaten der zurückliegenden 12 Monate</a:t>
-            </a:r>
-            <a:br>
-              <a:rPr lang="de-DE" dirty="0" smtClean="0"/>
-            </a:br>
-            <a:endParaRPr lang="de-DE" dirty="0" smtClean="0"/>
-          </a:p>
-          <a:p>
-            <a:pPr marL="342900" indent="-342900">
-              <a:buFont typeface="+mj-lt"/>
-              <a:buAutoNum type="arabicPeriod"/>
-            </a:pPr>
-            <a:r>
-              <a:rPr lang="de-DE" dirty="0" smtClean="0"/>
-              <a:t>Analyse aktueller Umweltdaten und kurzfristiger Wettervorhersage</a:t>
-            </a:r>
-            <a:br>
-              <a:rPr lang="de-DE" dirty="0" smtClean="0"/>
-            </a:br>
-            <a:r>
-              <a:rPr lang="de-DE" dirty="0"/>
-              <a:t>Betrachtungszeitraum: Jeweils 3 Tage rückwirkend</a:t>
-            </a:r>
-            <a:br>
-              <a:rPr lang="de-DE" dirty="0"/>
-            </a:br>
-            <a:r>
-              <a:rPr lang="de-DE" dirty="0"/>
-              <a:t>Schwerpunkt:  07:00 bis 09:00 </a:t>
-            </a:r>
-            <a:r>
-              <a:rPr lang="de-DE" dirty="0" smtClean="0"/>
-              <a:t>Uhr</a:t>
-            </a:r>
-            <a:br>
-              <a:rPr lang="de-DE" dirty="0" smtClean="0"/>
-            </a:br>
-            <a:endParaRPr lang="de-DE" dirty="0" smtClean="0"/>
-          </a:p>
-          <a:p>
-            <a:pPr marL="342900" indent="-342900">
-              <a:buFont typeface="+mj-lt"/>
-              <a:buAutoNum type="arabicPeriod"/>
-            </a:pPr>
-            <a:r>
-              <a:rPr lang="de-DE" dirty="0" smtClean="0"/>
-              <a:t>Prognose außergewöhnlicher Umweltbelastung: Information registrierter User und Angebot Umstieg auf ÖPNV zum ermäßigten Fahrpreis</a:t>
-            </a:r>
-            <a:br>
-              <a:rPr lang="de-DE" dirty="0" smtClean="0"/>
-            </a:br>
-            <a:endParaRPr lang="de-DE" dirty="0" smtClean="0"/>
-          </a:p>
-          <a:p>
-            <a:pPr marL="342900" indent="-342900">
-              <a:buFont typeface="+mj-lt"/>
-              <a:buAutoNum type="arabicPeriod"/>
-            </a:pPr>
-            <a:r>
-              <a:rPr lang="de-DE" dirty="0" smtClean="0"/>
-              <a:t>Bereitstellung intuitiver Fahrplaninformation DVB</a:t>
-            </a:r>
-            <a:br>
-              <a:rPr lang="de-DE" dirty="0" smtClean="0"/>
-            </a:br>
-            <a:endParaRPr lang="de-DE" dirty="0"/>
-          </a:p>
-          <a:p>
-            <a:pPr marL="342900" indent="-342900">
-              <a:buFont typeface="+mj-lt"/>
-              <a:buAutoNum type="arabicPeriod"/>
-            </a:pPr>
-            <a:endParaRPr lang="en-GB" dirty="0"/>
-          </a:p>
-        </p:txBody>
-      </p:sp>
-      <p:sp>
-        <p:nvSpPr>
           <p:cNvPr id="6" name="Textfeld 5"/>
           <p:cNvSpPr txBox="1"/>
           <p:nvPr/>
@@ -14353,6 +14249,372 @@
               </a:rPr>
               <a:t>!!!“</a:t>
             </a:r>
+          </a:p>
+        </p:txBody>
+      </p:sp>
+      <p:sp>
+        <p:nvSpPr>
+          <p:cNvPr id="4" name="Inhaltsplatzhalter 2"/>
+          <p:cNvSpPr txBox="1">
+            <a:spLocks/>
+          </p:cNvSpPr>
+          <p:nvPr/>
+        </p:nvSpPr>
+        <p:spPr>
+          <a:xfrm>
+            <a:off x="1043492" y="2323652"/>
+            <a:ext cx="6777317" cy="3508977"/>
+          </a:xfrm>
+          <a:prstGeom prst="rect">
+            <a:avLst/>
+          </a:prstGeom>
+        </p:spPr>
+        <p:txBody>
+          <a:bodyPr>
+            <a:noAutofit/>
+          </a:bodyPr>
+          <a:lstStyle>
+            <a:lvl1pPr marL="342900" indent="-274320" algn="l" defTabSz="914400" rtl="0" eaLnBrk="1" latinLnBrk="0" hangingPunct="1">
+              <a:spcBef>
+                <a:spcPct val="20000"/>
+              </a:spcBef>
+              <a:buClr>
+                <a:schemeClr val="accent1"/>
+              </a:buClr>
+              <a:buSzPct val="76000"/>
+              <a:buFont typeface="Wingdings 2" pitchFamily="18" charset="2"/>
+              <a:buChar char=""/>
+              <a:defRPr sz="2400" kern="1200">
+                <a:solidFill>
+                  <a:schemeClr val="tx2"/>
+                </a:solidFill>
+                <a:latin typeface="+mn-lt"/>
+                <a:ea typeface="+mn-ea"/>
+                <a:cs typeface="+mn-cs"/>
+              </a:defRPr>
+            </a:lvl1pPr>
+            <a:lvl2pPr marL="640080" indent="-274320" algn="l" defTabSz="914400" rtl="0" eaLnBrk="1" latinLnBrk="0" hangingPunct="1">
+              <a:spcBef>
+                <a:spcPct val="20000"/>
+              </a:spcBef>
+              <a:buClr>
+                <a:schemeClr val="accent1"/>
+              </a:buClr>
+              <a:buSzPct val="76000"/>
+              <a:buFont typeface="Wingdings 2" pitchFamily="18" charset="2"/>
+              <a:buChar char=""/>
+              <a:defRPr sz="2200" kern="1200">
+                <a:solidFill>
+                  <a:schemeClr val="tx2"/>
+                </a:solidFill>
+                <a:latin typeface="+mn-lt"/>
+                <a:ea typeface="+mn-ea"/>
+                <a:cs typeface="+mn-cs"/>
+              </a:defRPr>
+            </a:lvl2pPr>
+            <a:lvl3pPr marL="914400" indent="-228600" algn="l" defTabSz="914400" rtl="0" eaLnBrk="1" latinLnBrk="0" hangingPunct="1">
+              <a:spcBef>
+                <a:spcPct val="20000"/>
+              </a:spcBef>
+              <a:buClr>
+                <a:schemeClr val="accent1"/>
+              </a:buClr>
+              <a:buSzPct val="76000"/>
+              <a:buFont typeface="Wingdings 2" pitchFamily="18" charset="2"/>
+              <a:buChar char=""/>
+              <a:defRPr sz="2000" kern="1200">
+                <a:solidFill>
+                  <a:schemeClr val="tx2"/>
+                </a:solidFill>
+                <a:latin typeface="+mn-lt"/>
+                <a:ea typeface="+mn-ea"/>
+                <a:cs typeface="+mn-cs"/>
+              </a:defRPr>
+            </a:lvl3pPr>
+            <a:lvl4pPr marL="1124712" indent="-228600" algn="l" defTabSz="914400" rtl="0" eaLnBrk="1" latinLnBrk="0" hangingPunct="1">
+              <a:spcBef>
+                <a:spcPct val="20000"/>
+              </a:spcBef>
+              <a:buClr>
+                <a:schemeClr val="accent1"/>
+              </a:buClr>
+              <a:buSzPct val="76000"/>
+              <a:buFont typeface="Wingdings 2" pitchFamily="18" charset="2"/>
+              <a:buChar char=""/>
+              <a:defRPr sz="1800" kern="1200">
+                <a:solidFill>
+                  <a:schemeClr val="tx2"/>
+                </a:solidFill>
+                <a:latin typeface="+mn-lt"/>
+                <a:ea typeface="+mn-ea"/>
+                <a:cs typeface="+mn-cs"/>
+              </a:defRPr>
+            </a:lvl4pPr>
+            <a:lvl5pPr marL="1325880" indent="-228600" algn="l" defTabSz="914400" rtl="0" eaLnBrk="1" latinLnBrk="0" hangingPunct="1">
+              <a:spcBef>
+                <a:spcPct val="20000"/>
+              </a:spcBef>
+              <a:buClr>
+                <a:schemeClr val="accent1"/>
+              </a:buClr>
+              <a:buSzPct val="76000"/>
+              <a:buFont typeface="Wingdings 2" pitchFamily="18" charset="2"/>
+              <a:buChar char=""/>
+              <a:defRPr sz="1600" kern="1200" baseline="0">
+                <a:solidFill>
+                  <a:schemeClr val="tx2"/>
+                </a:solidFill>
+                <a:latin typeface="+mn-lt"/>
+                <a:ea typeface="+mn-ea"/>
+                <a:cs typeface="+mn-cs"/>
+              </a:defRPr>
+            </a:lvl5pPr>
+            <a:lvl6pPr marL="1517904" indent="-228600" algn="l" defTabSz="914400" rtl="0" eaLnBrk="1" latinLnBrk="0" hangingPunct="1">
+              <a:spcBef>
+                <a:spcPct val="20000"/>
+              </a:spcBef>
+              <a:buClr>
+                <a:schemeClr val="accent1"/>
+              </a:buClr>
+              <a:buSzPct val="76000"/>
+              <a:buFont typeface="Wingdings 2" pitchFamily="18" charset="2"/>
+              <a:buChar char=""/>
+              <a:defRPr sz="1400" kern="1200">
+                <a:solidFill>
+                  <a:schemeClr val="tx2"/>
+                </a:solidFill>
+                <a:latin typeface="+mn-lt"/>
+                <a:ea typeface="+mn-ea"/>
+                <a:cs typeface="+mn-cs"/>
+              </a:defRPr>
+            </a:lvl6pPr>
+            <a:lvl7pPr marL="1719072" indent="-228600" algn="l" defTabSz="914400" rtl="0" eaLnBrk="1" latinLnBrk="0" hangingPunct="1">
+              <a:spcBef>
+                <a:spcPct val="20000"/>
+              </a:spcBef>
+              <a:buClr>
+                <a:schemeClr val="accent1"/>
+              </a:buClr>
+              <a:buSzPct val="76000"/>
+              <a:buFont typeface="Wingdings 2" pitchFamily="18" charset="2"/>
+              <a:buChar char=""/>
+              <a:defRPr sz="1400" kern="1200">
+                <a:solidFill>
+                  <a:schemeClr val="tx2"/>
+                </a:solidFill>
+                <a:latin typeface="+mn-lt"/>
+                <a:ea typeface="+mn-ea"/>
+                <a:cs typeface="+mn-cs"/>
+              </a:defRPr>
+            </a:lvl7pPr>
+            <a:lvl8pPr marL="1920240" indent="-228600" algn="l" defTabSz="914400" rtl="0" eaLnBrk="1" latinLnBrk="0" hangingPunct="1">
+              <a:spcBef>
+                <a:spcPct val="20000"/>
+              </a:spcBef>
+              <a:buClr>
+                <a:schemeClr val="accent1"/>
+              </a:buClr>
+              <a:buSzPct val="76000"/>
+              <a:buFont typeface="Wingdings 2" pitchFamily="18" charset="2"/>
+              <a:buChar char=""/>
+              <a:defRPr sz="1400" kern="1200">
+                <a:solidFill>
+                  <a:schemeClr val="tx2"/>
+                </a:solidFill>
+                <a:latin typeface="+mn-lt"/>
+                <a:ea typeface="+mn-ea"/>
+                <a:cs typeface="+mn-cs"/>
+              </a:defRPr>
+            </a:lvl8pPr>
+            <a:lvl9pPr marL="2121408" indent="-228600" algn="l" defTabSz="914400" rtl="0" eaLnBrk="1" latinLnBrk="0" hangingPunct="1">
+              <a:spcBef>
+                <a:spcPct val="20000"/>
+              </a:spcBef>
+              <a:buClr>
+                <a:schemeClr val="accent1"/>
+              </a:buClr>
+              <a:buSzPct val="76000"/>
+              <a:buFont typeface="Wingdings 2" pitchFamily="18" charset="2"/>
+              <a:buChar char=""/>
+              <a:defRPr sz="1400" kern="1200">
+                <a:solidFill>
+                  <a:schemeClr val="tx2"/>
+                </a:solidFill>
+                <a:latin typeface="+mn-lt"/>
+                <a:ea typeface="+mn-ea"/>
+                <a:cs typeface="+mn-cs"/>
+              </a:defRPr>
+            </a:lvl9pPr>
+          </a:lstStyle>
+          <a:p>
+            <a:r>
+              <a:rPr lang="de-DE" sz="1800" dirty="0"/>
+              <a:t>Erstellung Modell zur Vorhersage der Umweltbelastung </a:t>
+            </a:r>
+            <a:br>
+              <a:rPr lang="de-DE" sz="1800" dirty="0"/>
+            </a:br>
+            <a:r>
+              <a:rPr lang="de-DE" sz="1800" dirty="0"/>
+              <a:t>durch Abgleich Umwelt- und Wetterdaten der zurückliegenden 12 </a:t>
+            </a:r>
+            <a:r>
+              <a:rPr lang="de-DE" sz="1800" dirty="0" smtClean="0"/>
+              <a:t>Monate</a:t>
+            </a:r>
+          </a:p>
+          <a:p>
+            <a:r>
+              <a:rPr lang="de-DE" sz="1800" dirty="0" smtClean="0"/>
+              <a:t>Analyse </a:t>
+            </a:r>
+            <a:r>
+              <a:rPr lang="de-DE" sz="1800" dirty="0"/>
+              <a:t>aktueller Umweltdaten und kurzfristiger Wettervorhersage</a:t>
+            </a:r>
+            <a:br>
+              <a:rPr lang="de-DE" sz="1800" dirty="0"/>
+            </a:br>
+            <a:r>
+              <a:rPr lang="de-DE" sz="1800" dirty="0"/>
+              <a:t>Betrachtungszeitraum: Jeweils 3 Tage rückwirkend</a:t>
+            </a:r>
+            <a:br>
+              <a:rPr lang="de-DE" sz="1800" dirty="0"/>
+            </a:br>
+            <a:r>
+              <a:rPr lang="de-DE" sz="1800" dirty="0"/>
+              <a:t>Schwerpunkt:  07:00 bis 09:00 </a:t>
+            </a:r>
+            <a:r>
+              <a:rPr lang="de-DE" sz="1800" dirty="0" smtClean="0"/>
+              <a:t>Uhr</a:t>
+            </a:r>
+          </a:p>
+          <a:p>
+            <a:r>
+              <a:rPr lang="de-DE" sz="1800" dirty="0" smtClean="0"/>
+              <a:t>Prognose </a:t>
+            </a:r>
+            <a:r>
+              <a:rPr lang="de-DE" sz="1800" dirty="0"/>
+              <a:t>außergewöhnlicher Umweltbelastung: Information registrierter User und Angebot Umstieg auf ÖPNV zum ermäßigten Fahrpreis (QR Code</a:t>
+            </a:r>
+            <a:r>
+              <a:rPr lang="de-DE" sz="1800" dirty="0" smtClean="0"/>
+              <a:t>)</a:t>
+            </a:r>
+          </a:p>
+          <a:p>
+            <a:r>
+              <a:rPr lang="de-DE" sz="1800" dirty="0" smtClean="0"/>
+              <a:t>Bereitstellung </a:t>
+            </a:r>
+            <a:r>
+              <a:rPr lang="de-DE" sz="1800" dirty="0"/>
+              <a:t>intuitiver Fahrplaninformation DVB</a:t>
+            </a:r>
+            <a:endParaRPr lang="de-DE" sz="1800" dirty="0" smtClean="0"/>
+          </a:p>
+        </p:txBody>
+      </p:sp>
+      <p:sp>
+        <p:nvSpPr>
+          <p:cNvPr id="7" name="Titel 1"/>
+          <p:cNvSpPr txBox="1">
+            <a:spLocks/>
+          </p:cNvSpPr>
+          <p:nvPr/>
+        </p:nvSpPr>
+        <p:spPr>
+          <a:xfrm>
+            <a:off x="1043490" y="1027664"/>
+            <a:ext cx="7024744" cy="745152"/>
+          </a:xfrm>
+          <a:prstGeom prst="rect">
+            <a:avLst/>
+          </a:prstGeom>
+        </p:spPr>
+        <p:txBody>
+          <a:bodyPr/>
+          <a:lstStyle>
+            <a:lvl1pPr algn="l" defTabSz="914400" rtl="0" eaLnBrk="1" latinLnBrk="0" hangingPunct="1">
+              <a:spcBef>
+                <a:spcPct val="0"/>
+              </a:spcBef>
+              <a:buNone/>
+              <a:defRPr sz="4000" kern="1200">
+                <a:solidFill>
+                  <a:schemeClr val="accent1"/>
+                </a:solidFill>
+                <a:latin typeface="+mj-lt"/>
+                <a:ea typeface="+mj-ea"/>
+                <a:cs typeface="+mj-cs"/>
+              </a:defRPr>
+            </a:lvl1pPr>
+            <a:lvl2pPr eaLnBrk="1" hangingPunct="1">
+              <a:defRPr>
+                <a:solidFill>
+                  <a:schemeClr val="tx2"/>
+                </a:solidFill>
+              </a:defRPr>
+            </a:lvl2pPr>
+            <a:lvl3pPr eaLnBrk="1" hangingPunct="1">
+              <a:defRPr>
+                <a:solidFill>
+                  <a:schemeClr val="tx2"/>
+                </a:solidFill>
+              </a:defRPr>
+            </a:lvl3pPr>
+            <a:lvl4pPr eaLnBrk="1" hangingPunct="1">
+              <a:defRPr>
+                <a:solidFill>
+                  <a:schemeClr val="tx2"/>
+                </a:solidFill>
+              </a:defRPr>
+            </a:lvl4pPr>
+            <a:lvl5pPr eaLnBrk="1" hangingPunct="1">
+              <a:defRPr>
+                <a:solidFill>
+                  <a:schemeClr val="tx2"/>
+                </a:solidFill>
+              </a:defRPr>
+            </a:lvl5pPr>
+            <a:lvl6pPr eaLnBrk="1" hangingPunct="1">
+              <a:defRPr>
+                <a:solidFill>
+                  <a:schemeClr val="tx2"/>
+                </a:solidFill>
+              </a:defRPr>
+            </a:lvl6pPr>
+            <a:lvl7pPr eaLnBrk="1" hangingPunct="1">
+              <a:defRPr>
+                <a:solidFill>
+                  <a:schemeClr val="tx2"/>
+                </a:solidFill>
+              </a:defRPr>
+            </a:lvl7pPr>
+            <a:lvl8pPr eaLnBrk="1" hangingPunct="1">
+              <a:defRPr>
+                <a:solidFill>
+                  <a:schemeClr val="tx2"/>
+                </a:solidFill>
+              </a:defRPr>
+            </a:lvl8pPr>
+            <a:lvl9pPr eaLnBrk="1" hangingPunct="1">
+              <a:defRPr>
+                <a:solidFill>
+                  <a:schemeClr val="tx2"/>
+                </a:solidFill>
+              </a:defRPr>
+            </a:lvl9pPr>
+          </a:lstStyle>
+          <a:p>
+            <a:r>
+              <a:rPr lang="de-DE" dirty="0" smtClean="0"/>
+              <a:t>Lösungsansatz</a:t>
+            </a:r>
+            <a:endParaRPr lang="en-GB" dirty="0"/>
           </a:p>
         </p:txBody>
       </p:sp>
@@ -14474,40 +14736,348 @@
           </a:p>
         </p:txBody>
       </p:sp>
-      <p:pic>
-        <p:nvPicPr>
-          <p:cNvPr id="11" name="Grafik 10"/>
-          <p:cNvPicPr>
-            <a:picLocks noChangeAspect="1"/>
-          </p:cNvPicPr>
+      <p:sp>
+        <p:nvSpPr>
+          <p:cNvPr id="7" name="Titel 1"/>
+          <p:cNvSpPr txBox="1">
+            <a:spLocks/>
+          </p:cNvSpPr>
           <p:nvPr/>
-        </p:nvPicPr>
-        <p:blipFill>
-          <a:blip r:embed="rId2" cstate="print">
-            <a:extLst>
-              <a:ext uri="{28A0092B-C50C-407E-A947-70E740481C1C}">
-                <a14:useLocalDpi xmlns:a14="http://schemas.microsoft.com/office/drawing/2010/main" val="0"/>
-              </a:ext>
-            </a:extLst>
-          </a:blip>
-          <a:stretch>
-            <a:fillRect/>
-          </a:stretch>
-        </p:blipFill>
+        </p:nvSpPr>
         <p:spPr>
           <a:xfrm>
-            <a:off x="725735" y="1772816"/>
-            <a:ext cx="7662689" cy="3816424"/>
+            <a:off x="1043490" y="1027664"/>
+            <a:ext cx="7024744" cy="1143000"/>
           </a:xfrm>
           <a:prstGeom prst="rect">
             <a:avLst/>
           </a:prstGeom>
         </p:spPr>
-      </p:pic>
+        <p:txBody>
+          <a:bodyPr/>
+          <a:lstStyle>
+            <a:lvl1pPr algn="l" defTabSz="914400" rtl="0" eaLnBrk="1" latinLnBrk="0" hangingPunct="1">
+              <a:spcBef>
+                <a:spcPct val="0"/>
+              </a:spcBef>
+              <a:buNone/>
+              <a:defRPr sz="4000" kern="1200">
+                <a:solidFill>
+                  <a:schemeClr val="accent1"/>
+                </a:solidFill>
+                <a:latin typeface="+mj-lt"/>
+                <a:ea typeface="+mj-ea"/>
+                <a:cs typeface="+mj-cs"/>
+              </a:defRPr>
+            </a:lvl1pPr>
+            <a:lvl2pPr eaLnBrk="1" hangingPunct="1">
+              <a:defRPr>
+                <a:solidFill>
+                  <a:schemeClr val="tx2"/>
+                </a:solidFill>
+              </a:defRPr>
+            </a:lvl2pPr>
+            <a:lvl3pPr eaLnBrk="1" hangingPunct="1">
+              <a:defRPr>
+                <a:solidFill>
+                  <a:schemeClr val="tx2"/>
+                </a:solidFill>
+              </a:defRPr>
+            </a:lvl3pPr>
+            <a:lvl4pPr eaLnBrk="1" hangingPunct="1">
+              <a:defRPr>
+                <a:solidFill>
+                  <a:schemeClr val="tx2"/>
+                </a:solidFill>
+              </a:defRPr>
+            </a:lvl4pPr>
+            <a:lvl5pPr eaLnBrk="1" hangingPunct="1">
+              <a:defRPr>
+                <a:solidFill>
+                  <a:schemeClr val="tx2"/>
+                </a:solidFill>
+              </a:defRPr>
+            </a:lvl5pPr>
+            <a:lvl6pPr eaLnBrk="1" hangingPunct="1">
+              <a:defRPr>
+                <a:solidFill>
+                  <a:schemeClr val="tx2"/>
+                </a:solidFill>
+              </a:defRPr>
+            </a:lvl6pPr>
+            <a:lvl7pPr eaLnBrk="1" hangingPunct="1">
+              <a:defRPr>
+                <a:solidFill>
+                  <a:schemeClr val="tx2"/>
+                </a:solidFill>
+              </a:defRPr>
+            </a:lvl7pPr>
+            <a:lvl8pPr eaLnBrk="1" hangingPunct="1">
+              <a:defRPr>
+                <a:solidFill>
+                  <a:schemeClr val="tx2"/>
+                </a:solidFill>
+              </a:defRPr>
+            </a:lvl8pPr>
+            <a:lvl9pPr eaLnBrk="1" hangingPunct="1">
+              <a:defRPr>
+                <a:solidFill>
+                  <a:schemeClr val="tx2"/>
+                </a:solidFill>
+              </a:defRPr>
+            </a:lvl9pPr>
+          </a:lstStyle>
+          <a:p>
+            <a:r>
+              <a:rPr lang="de-DE" dirty="0" smtClean="0"/>
+              <a:t>Herausforderungen</a:t>
+            </a:r>
+            <a:endParaRPr lang="en-GB" dirty="0"/>
+          </a:p>
+        </p:txBody>
+      </p:sp>
+      <p:sp>
+        <p:nvSpPr>
+          <p:cNvPr id="8" name="Inhaltsplatzhalter 2"/>
+          <p:cNvSpPr txBox="1">
+            <a:spLocks/>
+          </p:cNvSpPr>
+          <p:nvPr/>
+        </p:nvSpPr>
+        <p:spPr>
+          <a:xfrm>
+            <a:off x="1043492" y="2323652"/>
+            <a:ext cx="6777317" cy="3508977"/>
+          </a:xfrm>
+          <a:prstGeom prst="rect">
+            <a:avLst/>
+          </a:prstGeom>
+        </p:spPr>
+        <p:txBody>
+          <a:bodyPr>
+            <a:normAutofit fontScale="92500"/>
+          </a:bodyPr>
+          <a:lstStyle>
+            <a:lvl1pPr marL="342900" indent="-274320" algn="l" defTabSz="914400" rtl="0" eaLnBrk="1" latinLnBrk="0" hangingPunct="1">
+              <a:spcBef>
+                <a:spcPct val="20000"/>
+              </a:spcBef>
+              <a:buClr>
+                <a:schemeClr val="accent1"/>
+              </a:buClr>
+              <a:buSzPct val="76000"/>
+              <a:buFont typeface="Wingdings 2" pitchFamily="18" charset="2"/>
+              <a:buChar char=""/>
+              <a:defRPr sz="2400" kern="1200">
+                <a:solidFill>
+                  <a:schemeClr val="tx2"/>
+                </a:solidFill>
+                <a:latin typeface="+mn-lt"/>
+                <a:ea typeface="+mn-ea"/>
+                <a:cs typeface="+mn-cs"/>
+              </a:defRPr>
+            </a:lvl1pPr>
+            <a:lvl2pPr marL="640080" indent="-274320" algn="l" defTabSz="914400" rtl="0" eaLnBrk="1" latinLnBrk="0" hangingPunct="1">
+              <a:spcBef>
+                <a:spcPct val="20000"/>
+              </a:spcBef>
+              <a:buClr>
+                <a:schemeClr val="accent1"/>
+              </a:buClr>
+              <a:buSzPct val="76000"/>
+              <a:buFont typeface="Wingdings 2" pitchFamily="18" charset="2"/>
+              <a:buChar char=""/>
+              <a:defRPr sz="2200" kern="1200">
+                <a:solidFill>
+                  <a:schemeClr val="tx2"/>
+                </a:solidFill>
+                <a:latin typeface="+mn-lt"/>
+                <a:ea typeface="+mn-ea"/>
+                <a:cs typeface="+mn-cs"/>
+              </a:defRPr>
+            </a:lvl2pPr>
+            <a:lvl3pPr marL="914400" indent="-228600" algn="l" defTabSz="914400" rtl="0" eaLnBrk="1" latinLnBrk="0" hangingPunct="1">
+              <a:spcBef>
+                <a:spcPct val="20000"/>
+              </a:spcBef>
+              <a:buClr>
+                <a:schemeClr val="accent1"/>
+              </a:buClr>
+              <a:buSzPct val="76000"/>
+              <a:buFont typeface="Wingdings 2" pitchFamily="18" charset="2"/>
+              <a:buChar char=""/>
+              <a:defRPr sz="2000" kern="1200">
+                <a:solidFill>
+                  <a:schemeClr val="tx2"/>
+                </a:solidFill>
+                <a:latin typeface="+mn-lt"/>
+                <a:ea typeface="+mn-ea"/>
+                <a:cs typeface="+mn-cs"/>
+              </a:defRPr>
+            </a:lvl3pPr>
+            <a:lvl4pPr marL="1124712" indent="-228600" algn="l" defTabSz="914400" rtl="0" eaLnBrk="1" latinLnBrk="0" hangingPunct="1">
+              <a:spcBef>
+                <a:spcPct val="20000"/>
+              </a:spcBef>
+              <a:buClr>
+                <a:schemeClr val="accent1"/>
+              </a:buClr>
+              <a:buSzPct val="76000"/>
+              <a:buFont typeface="Wingdings 2" pitchFamily="18" charset="2"/>
+              <a:buChar char=""/>
+              <a:defRPr sz="1800" kern="1200">
+                <a:solidFill>
+                  <a:schemeClr val="tx2"/>
+                </a:solidFill>
+                <a:latin typeface="+mn-lt"/>
+                <a:ea typeface="+mn-ea"/>
+                <a:cs typeface="+mn-cs"/>
+              </a:defRPr>
+            </a:lvl4pPr>
+            <a:lvl5pPr marL="1325880" indent="-228600" algn="l" defTabSz="914400" rtl="0" eaLnBrk="1" latinLnBrk="0" hangingPunct="1">
+              <a:spcBef>
+                <a:spcPct val="20000"/>
+              </a:spcBef>
+              <a:buClr>
+                <a:schemeClr val="accent1"/>
+              </a:buClr>
+              <a:buSzPct val="76000"/>
+              <a:buFont typeface="Wingdings 2" pitchFamily="18" charset="2"/>
+              <a:buChar char=""/>
+              <a:defRPr sz="1600" kern="1200" baseline="0">
+                <a:solidFill>
+                  <a:schemeClr val="tx2"/>
+                </a:solidFill>
+                <a:latin typeface="+mn-lt"/>
+                <a:ea typeface="+mn-ea"/>
+                <a:cs typeface="+mn-cs"/>
+              </a:defRPr>
+            </a:lvl5pPr>
+            <a:lvl6pPr marL="1517904" indent="-228600" algn="l" defTabSz="914400" rtl="0" eaLnBrk="1" latinLnBrk="0" hangingPunct="1">
+              <a:spcBef>
+                <a:spcPct val="20000"/>
+              </a:spcBef>
+              <a:buClr>
+                <a:schemeClr val="accent1"/>
+              </a:buClr>
+              <a:buSzPct val="76000"/>
+              <a:buFont typeface="Wingdings 2" pitchFamily="18" charset="2"/>
+              <a:buChar char=""/>
+              <a:defRPr sz="1400" kern="1200">
+                <a:solidFill>
+                  <a:schemeClr val="tx2"/>
+                </a:solidFill>
+                <a:latin typeface="+mn-lt"/>
+                <a:ea typeface="+mn-ea"/>
+                <a:cs typeface="+mn-cs"/>
+              </a:defRPr>
+            </a:lvl6pPr>
+            <a:lvl7pPr marL="1719072" indent="-228600" algn="l" defTabSz="914400" rtl="0" eaLnBrk="1" latinLnBrk="0" hangingPunct="1">
+              <a:spcBef>
+                <a:spcPct val="20000"/>
+              </a:spcBef>
+              <a:buClr>
+                <a:schemeClr val="accent1"/>
+              </a:buClr>
+              <a:buSzPct val="76000"/>
+              <a:buFont typeface="Wingdings 2" pitchFamily="18" charset="2"/>
+              <a:buChar char=""/>
+              <a:defRPr sz="1400" kern="1200">
+                <a:solidFill>
+                  <a:schemeClr val="tx2"/>
+                </a:solidFill>
+                <a:latin typeface="+mn-lt"/>
+                <a:ea typeface="+mn-ea"/>
+                <a:cs typeface="+mn-cs"/>
+              </a:defRPr>
+            </a:lvl7pPr>
+            <a:lvl8pPr marL="1920240" indent="-228600" algn="l" defTabSz="914400" rtl="0" eaLnBrk="1" latinLnBrk="0" hangingPunct="1">
+              <a:spcBef>
+                <a:spcPct val="20000"/>
+              </a:spcBef>
+              <a:buClr>
+                <a:schemeClr val="accent1"/>
+              </a:buClr>
+              <a:buSzPct val="76000"/>
+              <a:buFont typeface="Wingdings 2" pitchFamily="18" charset="2"/>
+              <a:buChar char=""/>
+              <a:defRPr sz="1400" kern="1200">
+                <a:solidFill>
+                  <a:schemeClr val="tx2"/>
+                </a:solidFill>
+                <a:latin typeface="+mn-lt"/>
+                <a:ea typeface="+mn-ea"/>
+                <a:cs typeface="+mn-cs"/>
+              </a:defRPr>
+            </a:lvl8pPr>
+            <a:lvl9pPr marL="2121408" indent="-228600" algn="l" defTabSz="914400" rtl="0" eaLnBrk="1" latinLnBrk="0" hangingPunct="1">
+              <a:spcBef>
+                <a:spcPct val="20000"/>
+              </a:spcBef>
+              <a:buClr>
+                <a:schemeClr val="accent1"/>
+              </a:buClr>
+              <a:buSzPct val="76000"/>
+              <a:buFont typeface="Wingdings 2" pitchFamily="18" charset="2"/>
+              <a:buChar char=""/>
+              <a:defRPr sz="1400" kern="1200">
+                <a:solidFill>
+                  <a:schemeClr val="tx2"/>
+                </a:solidFill>
+                <a:latin typeface="+mn-lt"/>
+                <a:ea typeface="+mn-ea"/>
+                <a:cs typeface="+mn-cs"/>
+              </a:defRPr>
+            </a:lvl9pPr>
+          </a:lstStyle>
+          <a:p>
+            <a:r>
+              <a:rPr lang="de-DE" dirty="0" smtClean="0"/>
+              <a:t>Zuverlässige Vorhersage Umweltbelastung (z.B. Anzahl Messpunkte, </a:t>
+            </a:r>
+            <a:r>
+              <a:rPr lang="de-DE" dirty="0" smtClean="0"/>
+              <a:t>Aktualität, Zeitzonenproblematik)</a:t>
+            </a:r>
+            <a:endParaRPr lang="de-DE" dirty="0" smtClean="0"/>
+          </a:p>
+          <a:p>
+            <a:r>
+              <a:rPr lang="de-DE" dirty="0" smtClean="0"/>
+              <a:t>Ticket</a:t>
+            </a:r>
+            <a:r>
+              <a:rPr lang="de-DE" u="sng" dirty="0" smtClean="0"/>
+              <a:t>subvention</a:t>
+            </a:r>
+            <a:r>
+              <a:rPr lang="de-DE" dirty="0" smtClean="0"/>
+              <a:t> - finanzielle Belastung der Stadtkasse</a:t>
+            </a:r>
+          </a:p>
+          <a:p>
+            <a:r>
+              <a:rPr lang="de-DE" dirty="0"/>
+              <a:t>Akzeptanz </a:t>
+            </a:r>
+            <a:r>
+              <a:rPr lang="de-DE" dirty="0" smtClean="0"/>
+              <a:t>ÖPVN bei Autofahrern -Bequemlichkeit vs. Effizienz</a:t>
+            </a:r>
+            <a:endParaRPr lang="de-DE" dirty="0"/>
+          </a:p>
+          <a:p>
+            <a:r>
+              <a:rPr lang="de-DE" dirty="0" smtClean="0"/>
+              <a:t>Abgleich von Soll- und Ist-Daten DVB zwecks Erkennung Verspätungen oder Störungen</a:t>
+            </a:r>
+          </a:p>
+        </p:txBody>
+      </p:sp>
     </p:spTree>
     <p:extLst>
       <p:ext uri="{BB962C8B-B14F-4D97-AF65-F5344CB8AC3E}">
-        <p14:creationId xmlns:p14="http://schemas.microsoft.com/office/powerpoint/2010/main" val="1309020860"/>
+        <p14:creationId xmlns:p14="http://schemas.microsoft.com/office/powerpoint/2010/main" val="1502497339"/>
       </p:ext>
     </p:extLst>
   </p:cSld>
@@ -14622,9 +15192,39 @@
           </a:p>
         </p:txBody>
       </p:sp>
+      <p:pic>
+        <p:nvPicPr>
+          <p:cNvPr id="11" name="Grafik 10"/>
+          <p:cNvPicPr>
+            <a:picLocks noChangeAspect="1"/>
+          </p:cNvPicPr>
+          <p:nvPr/>
+        </p:nvPicPr>
+        <p:blipFill>
+          <a:blip r:embed="rId2" cstate="print">
+            <a:extLst>
+              <a:ext uri="{28A0092B-C50C-407E-A947-70E740481C1C}">
+                <a14:useLocalDpi xmlns:a14="http://schemas.microsoft.com/office/drawing/2010/main" val="0"/>
+              </a:ext>
+            </a:extLst>
+          </a:blip>
+          <a:stretch>
+            <a:fillRect/>
+          </a:stretch>
+        </p:blipFill>
+        <p:spPr>
+          <a:xfrm>
+            <a:off x="725735" y="2276872"/>
+            <a:ext cx="7662689" cy="3816424"/>
+          </a:xfrm>
+          <a:prstGeom prst="rect">
+            <a:avLst/>
+          </a:prstGeom>
+        </p:spPr>
+      </p:pic>
       <p:sp>
         <p:nvSpPr>
-          <p:cNvPr id="7" name="Titel 1"/>
+          <p:cNvPr id="4" name="Titel 1"/>
           <p:cNvSpPr txBox="1">
             <a:spLocks/>
           </p:cNvSpPr>
@@ -14633,7 +15233,7 @@
         <p:spPr>
           <a:xfrm>
             <a:off x="1043490" y="1027664"/>
-            <a:ext cx="7024744" cy="1143000"/>
+            <a:ext cx="7024744" cy="745152"/>
           </a:xfrm>
           <a:prstGeom prst="rect">
             <a:avLst/>
@@ -14716,249 +15316,16 @@
           <a:p>
             <a:r>
               <a:rPr lang="de-DE" dirty="0" smtClean="0"/>
-              <a:t>Herausforderungen</a:t>
+              <a:t>Technologie</a:t>
             </a:r>
             <a:endParaRPr lang="en-GB" dirty="0"/>
-          </a:p>
-        </p:txBody>
-      </p:sp>
-      <p:sp>
-        <p:nvSpPr>
-          <p:cNvPr id="8" name="Inhaltsplatzhalter 2"/>
-          <p:cNvSpPr txBox="1">
-            <a:spLocks/>
-          </p:cNvSpPr>
-          <p:nvPr/>
-        </p:nvSpPr>
-        <p:spPr>
-          <a:xfrm>
-            <a:off x="1043492" y="2323652"/>
-            <a:ext cx="6777317" cy="3508977"/>
-          </a:xfrm>
-          <a:prstGeom prst="rect">
-            <a:avLst/>
-          </a:prstGeom>
-        </p:spPr>
-        <p:txBody>
-          <a:bodyPr>
-            <a:normAutofit lnSpcReduction="10000"/>
-          </a:bodyPr>
-          <a:lstStyle>
-            <a:lvl1pPr marL="342900" indent="-274320" algn="l" defTabSz="914400" rtl="0" eaLnBrk="1" latinLnBrk="0" hangingPunct="1">
-              <a:spcBef>
-                <a:spcPct val="20000"/>
-              </a:spcBef>
-              <a:buClr>
-                <a:schemeClr val="accent1"/>
-              </a:buClr>
-              <a:buSzPct val="76000"/>
-              <a:buFont typeface="Wingdings 2" pitchFamily="18" charset="2"/>
-              <a:buChar char=""/>
-              <a:defRPr sz="2400" kern="1200">
-                <a:solidFill>
-                  <a:schemeClr val="tx2"/>
-                </a:solidFill>
-                <a:latin typeface="+mn-lt"/>
-                <a:ea typeface="+mn-ea"/>
-                <a:cs typeface="+mn-cs"/>
-              </a:defRPr>
-            </a:lvl1pPr>
-            <a:lvl2pPr marL="640080" indent="-274320" algn="l" defTabSz="914400" rtl="0" eaLnBrk="1" latinLnBrk="0" hangingPunct="1">
-              <a:spcBef>
-                <a:spcPct val="20000"/>
-              </a:spcBef>
-              <a:buClr>
-                <a:schemeClr val="accent1"/>
-              </a:buClr>
-              <a:buSzPct val="76000"/>
-              <a:buFont typeface="Wingdings 2" pitchFamily="18" charset="2"/>
-              <a:buChar char=""/>
-              <a:defRPr sz="2200" kern="1200">
-                <a:solidFill>
-                  <a:schemeClr val="tx2"/>
-                </a:solidFill>
-                <a:latin typeface="+mn-lt"/>
-                <a:ea typeface="+mn-ea"/>
-                <a:cs typeface="+mn-cs"/>
-              </a:defRPr>
-            </a:lvl2pPr>
-            <a:lvl3pPr marL="914400" indent="-228600" algn="l" defTabSz="914400" rtl="0" eaLnBrk="1" latinLnBrk="0" hangingPunct="1">
-              <a:spcBef>
-                <a:spcPct val="20000"/>
-              </a:spcBef>
-              <a:buClr>
-                <a:schemeClr val="accent1"/>
-              </a:buClr>
-              <a:buSzPct val="76000"/>
-              <a:buFont typeface="Wingdings 2" pitchFamily="18" charset="2"/>
-              <a:buChar char=""/>
-              <a:defRPr sz="2000" kern="1200">
-                <a:solidFill>
-                  <a:schemeClr val="tx2"/>
-                </a:solidFill>
-                <a:latin typeface="+mn-lt"/>
-                <a:ea typeface="+mn-ea"/>
-                <a:cs typeface="+mn-cs"/>
-              </a:defRPr>
-            </a:lvl3pPr>
-            <a:lvl4pPr marL="1124712" indent="-228600" algn="l" defTabSz="914400" rtl="0" eaLnBrk="1" latinLnBrk="0" hangingPunct="1">
-              <a:spcBef>
-                <a:spcPct val="20000"/>
-              </a:spcBef>
-              <a:buClr>
-                <a:schemeClr val="accent1"/>
-              </a:buClr>
-              <a:buSzPct val="76000"/>
-              <a:buFont typeface="Wingdings 2" pitchFamily="18" charset="2"/>
-              <a:buChar char=""/>
-              <a:defRPr sz="1800" kern="1200">
-                <a:solidFill>
-                  <a:schemeClr val="tx2"/>
-                </a:solidFill>
-                <a:latin typeface="+mn-lt"/>
-                <a:ea typeface="+mn-ea"/>
-                <a:cs typeface="+mn-cs"/>
-              </a:defRPr>
-            </a:lvl4pPr>
-            <a:lvl5pPr marL="1325880" indent="-228600" algn="l" defTabSz="914400" rtl="0" eaLnBrk="1" latinLnBrk="0" hangingPunct="1">
-              <a:spcBef>
-                <a:spcPct val="20000"/>
-              </a:spcBef>
-              <a:buClr>
-                <a:schemeClr val="accent1"/>
-              </a:buClr>
-              <a:buSzPct val="76000"/>
-              <a:buFont typeface="Wingdings 2" pitchFamily="18" charset="2"/>
-              <a:buChar char=""/>
-              <a:defRPr sz="1600" kern="1200" baseline="0">
-                <a:solidFill>
-                  <a:schemeClr val="tx2"/>
-                </a:solidFill>
-                <a:latin typeface="+mn-lt"/>
-                <a:ea typeface="+mn-ea"/>
-                <a:cs typeface="+mn-cs"/>
-              </a:defRPr>
-            </a:lvl5pPr>
-            <a:lvl6pPr marL="1517904" indent="-228600" algn="l" defTabSz="914400" rtl="0" eaLnBrk="1" latinLnBrk="0" hangingPunct="1">
-              <a:spcBef>
-                <a:spcPct val="20000"/>
-              </a:spcBef>
-              <a:buClr>
-                <a:schemeClr val="accent1"/>
-              </a:buClr>
-              <a:buSzPct val="76000"/>
-              <a:buFont typeface="Wingdings 2" pitchFamily="18" charset="2"/>
-              <a:buChar char=""/>
-              <a:defRPr sz="1400" kern="1200">
-                <a:solidFill>
-                  <a:schemeClr val="tx2"/>
-                </a:solidFill>
-                <a:latin typeface="+mn-lt"/>
-                <a:ea typeface="+mn-ea"/>
-                <a:cs typeface="+mn-cs"/>
-              </a:defRPr>
-            </a:lvl6pPr>
-            <a:lvl7pPr marL="1719072" indent="-228600" algn="l" defTabSz="914400" rtl="0" eaLnBrk="1" latinLnBrk="0" hangingPunct="1">
-              <a:spcBef>
-                <a:spcPct val="20000"/>
-              </a:spcBef>
-              <a:buClr>
-                <a:schemeClr val="accent1"/>
-              </a:buClr>
-              <a:buSzPct val="76000"/>
-              <a:buFont typeface="Wingdings 2" pitchFamily="18" charset="2"/>
-              <a:buChar char=""/>
-              <a:defRPr sz="1400" kern="1200">
-                <a:solidFill>
-                  <a:schemeClr val="tx2"/>
-                </a:solidFill>
-                <a:latin typeface="+mn-lt"/>
-                <a:ea typeface="+mn-ea"/>
-                <a:cs typeface="+mn-cs"/>
-              </a:defRPr>
-            </a:lvl7pPr>
-            <a:lvl8pPr marL="1920240" indent="-228600" algn="l" defTabSz="914400" rtl="0" eaLnBrk="1" latinLnBrk="0" hangingPunct="1">
-              <a:spcBef>
-                <a:spcPct val="20000"/>
-              </a:spcBef>
-              <a:buClr>
-                <a:schemeClr val="accent1"/>
-              </a:buClr>
-              <a:buSzPct val="76000"/>
-              <a:buFont typeface="Wingdings 2" pitchFamily="18" charset="2"/>
-              <a:buChar char=""/>
-              <a:defRPr sz="1400" kern="1200">
-                <a:solidFill>
-                  <a:schemeClr val="tx2"/>
-                </a:solidFill>
-                <a:latin typeface="+mn-lt"/>
-                <a:ea typeface="+mn-ea"/>
-                <a:cs typeface="+mn-cs"/>
-              </a:defRPr>
-            </a:lvl8pPr>
-            <a:lvl9pPr marL="2121408" indent="-228600" algn="l" defTabSz="914400" rtl="0" eaLnBrk="1" latinLnBrk="0" hangingPunct="1">
-              <a:spcBef>
-                <a:spcPct val="20000"/>
-              </a:spcBef>
-              <a:buClr>
-                <a:schemeClr val="accent1"/>
-              </a:buClr>
-              <a:buSzPct val="76000"/>
-              <a:buFont typeface="Wingdings 2" pitchFamily="18" charset="2"/>
-              <a:buChar char=""/>
-              <a:defRPr sz="1400" kern="1200">
-                <a:solidFill>
-                  <a:schemeClr val="tx2"/>
-                </a:solidFill>
-                <a:latin typeface="+mn-lt"/>
-                <a:ea typeface="+mn-ea"/>
-                <a:cs typeface="+mn-cs"/>
-              </a:defRPr>
-            </a:lvl9pPr>
-          </a:lstStyle>
-          <a:p>
-            <a:r>
-              <a:rPr lang="de-DE" dirty="0" smtClean="0"/>
-              <a:t>Zuverlässige Vorhersage Umweltbelastung (z.B. Anzahl Messpunkte, Aktualität)</a:t>
-            </a:r>
-          </a:p>
-          <a:p>
-            <a:r>
-              <a:rPr lang="de-DE" dirty="0" smtClean="0"/>
-              <a:t>Ticket</a:t>
-            </a:r>
-            <a:r>
-              <a:rPr lang="de-DE" u="sng" dirty="0" smtClean="0"/>
-              <a:t>subvention</a:t>
-            </a:r>
-            <a:r>
-              <a:rPr lang="de-DE" dirty="0" smtClean="0"/>
-              <a:t> - finanzielle Belastung der Stadtkasse</a:t>
-            </a:r>
-          </a:p>
-          <a:p>
-            <a:r>
-              <a:rPr lang="de-DE" dirty="0"/>
-              <a:t>Akzeptanz </a:t>
-            </a:r>
-            <a:r>
-              <a:rPr lang="de-DE" dirty="0" smtClean="0"/>
-              <a:t>ÖPVN bei Autofahrern -Bequemlichkeit vs. Effizienz</a:t>
-            </a:r>
-            <a:endParaRPr lang="de-DE" dirty="0"/>
-          </a:p>
-          <a:p>
-            <a:r>
-              <a:rPr lang="de-DE" dirty="0" smtClean="0"/>
-              <a:t>Abgleich von Soll- und Ist-Daten DVB zwecks Erkennung Verspätungen oder Störungen</a:t>
-            </a:r>
           </a:p>
         </p:txBody>
       </p:sp>
     </p:spTree>
     <p:extLst>
       <p:ext uri="{BB962C8B-B14F-4D97-AF65-F5344CB8AC3E}">
-        <p14:creationId xmlns:p14="http://schemas.microsoft.com/office/powerpoint/2010/main" val="1502497339"/>
+        <p14:creationId xmlns:p14="http://schemas.microsoft.com/office/powerpoint/2010/main" val="1309020860"/>
       </p:ext>
     </p:extLst>
   </p:cSld>
@@ -14976,6 +15343,730 @@
 </file>
 
 <file path=ppt/slides/slide6.xml><?xml version="1.0" encoding="utf-8"?>
+<p:sld xmlns:a="http://schemas.openxmlformats.org/drawingml/2006/main" xmlns:r="http://schemas.openxmlformats.org/officeDocument/2006/relationships" xmlns:p="http://schemas.openxmlformats.org/presentationml/2006/main">
+  <p:cSld>
+    <p:spTree>
+      <p:nvGrpSpPr>
+        <p:cNvPr id="1" name=""/>
+        <p:cNvGrpSpPr/>
+        <p:nvPr/>
+      </p:nvGrpSpPr>
+      <p:grpSpPr>
+        <a:xfrm>
+          <a:off x="0" y="0"/>
+          <a:ext cx="0" cy="0"/>
+          <a:chOff x="0" y="0"/>
+          <a:chExt cx="0" cy="0"/>
+        </a:xfrm>
+      </p:grpSpPr>
+      <p:sp>
+        <p:nvSpPr>
+          <p:cNvPr id="6" name="Textfeld 5"/>
+          <p:cNvSpPr txBox="1"/>
+          <p:nvPr/>
+        </p:nvSpPr>
+        <p:spPr>
+          <a:xfrm>
+            <a:off x="4644008" y="260648"/>
+            <a:ext cx="3469219" cy="276999"/>
+          </a:xfrm>
+          <a:prstGeom prst="rect">
+            <a:avLst/>
+          </a:prstGeom>
+          <a:noFill/>
+        </p:spPr>
+        <p:txBody>
+          <a:bodyPr wrap="none" rtlCol="0">
+            <a:spAutoFit/>
+          </a:bodyPr>
+          <a:lstStyle/>
+          <a:p>
+            <a:r>
+              <a:rPr lang="en-GB" sz="1200" dirty="0">
+                <a:solidFill>
+                  <a:srgbClr val="FEFEFE"/>
+                </a:solidFill>
+              </a:rPr>
+              <a:t>ODC 2016 - </a:t>
+            </a:r>
+            <a:r>
+              <a:rPr lang="en-GB" sz="1200" dirty="0" err="1">
+                <a:solidFill>
+                  <a:srgbClr val="FEFEFE"/>
+                </a:solidFill>
+              </a:rPr>
+              <a:t>Projekt</a:t>
+            </a:r>
+            <a:r>
+              <a:rPr lang="en-GB" sz="1200" dirty="0">
+                <a:solidFill>
+                  <a:srgbClr val="FEFEFE"/>
+                </a:solidFill>
+              </a:rPr>
+              <a:t> „Lass’ die </a:t>
+            </a:r>
+            <a:r>
+              <a:rPr lang="en-GB" sz="1200" dirty="0" err="1">
+                <a:solidFill>
+                  <a:srgbClr val="FEFEFE"/>
+                </a:solidFill>
+              </a:rPr>
+              <a:t>Karre</a:t>
+            </a:r>
+            <a:r>
+              <a:rPr lang="en-GB" sz="1200" dirty="0">
+                <a:solidFill>
+                  <a:srgbClr val="FEFEFE"/>
+                </a:solidFill>
+              </a:rPr>
+              <a:t> </a:t>
+            </a:r>
+            <a:r>
+              <a:rPr lang="en-GB" sz="1200" dirty="0" err="1">
+                <a:solidFill>
+                  <a:srgbClr val="FEFEFE"/>
+                </a:solidFill>
+              </a:rPr>
+              <a:t>steh‘n</a:t>
+            </a:r>
+            <a:r>
+              <a:rPr lang="en-GB" sz="1200" dirty="0">
+                <a:solidFill>
+                  <a:srgbClr val="FEFEFE"/>
+                </a:solidFill>
+              </a:rPr>
+              <a:t>!!!“</a:t>
+            </a:r>
+          </a:p>
+        </p:txBody>
+      </p:sp>
+      <p:pic>
+        <p:nvPicPr>
+          <p:cNvPr id="1028" name="Picture 4"/>
+          <p:cNvPicPr>
+            <a:picLocks noChangeAspect="1" noChangeArrowheads="1"/>
+          </p:cNvPicPr>
+          <p:nvPr/>
+        </p:nvPicPr>
+        <p:blipFill>
+          <a:blip r:embed="rId2" cstate="print">
+            <a:extLst>
+              <a:ext uri="{28A0092B-C50C-407E-A947-70E740481C1C}">
+                <a14:useLocalDpi xmlns:a14="http://schemas.microsoft.com/office/drawing/2010/main" val="0"/>
+              </a:ext>
+            </a:extLst>
+          </a:blip>
+          <a:srcRect/>
+          <a:stretch>
+            <a:fillRect/>
+          </a:stretch>
+        </p:blipFill>
+        <p:spPr bwMode="auto">
+          <a:xfrm>
+            <a:off x="827984" y="2276872"/>
+            <a:ext cx="3600000" cy="928908"/>
+          </a:xfrm>
+          <a:prstGeom prst="rect">
+            <a:avLst/>
+          </a:prstGeom>
+          <a:noFill/>
+          <a:ln>
+            <a:noFill/>
+          </a:ln>
+          <a:extLst>
+            <a:ext uri="{909E8E84-426E-40DD-AFC4-6F175D3DCCD1}">
+              <a14:hiddenFill xmlns:a14="http://schemas.microsoft.com/office/drawing/2010/main">
+                <a:solidFill>
+                  <a:schemeClr val="accent1"/>
+                </a:solidFill>
+              </a14:hiddenFill>
+            </a:ext>
+            <a:ext uri="{91240B29-F687-4F45-9708-019B960494DF}">
+              <a14:hiddenLine xmlns:a14="http://schemas.microsoft.com/office/drawing/2010/main" w="9525">
+                <a:solidFill>
+                  <a:schemeClr val="tx1"/>
+                </a:solidFill>
+                <a:miter lim="800000"/>
+                <a:headEnd/>
+                <a:tailEnd/>
+              </a14:hiddenLine>
+            </a:ext>
+          </a:extLst>
+        </p:spPr>
+      </p:pic>
+      <p:pic>
+        <p:nvPicPr>
+          <p:cNvPr id="1029" name="Picture 5"/>
+          <p:cNvPicPr>
+            <a:picLocks noChangeAspect="1" noChangeArrowheads="1"/>
+          </p:cNvPicPr>
+          <p:nvPr/>
+        </p:nvPicPr>
+        <p:blipFill>
+          <a:blip r:embed="rId3" cstate="print">
+            <a:extLst>
+              <a:ext uri="{28A0092B-C50C-407E-A947-70E740481C1C}">
+                <a14:useLocalDpi xmlns:a14="http://schemas.microsoft.com/office/drawing/2010/main" val="0"/>
+              </a:ext>
+            </a:extLst>
+          </a:blip>
+          <a:srcRect/>
+          <a:stretch>
+            <a:fillRect/>
+          </a:stretch>
+        </p:blipFill>
+        <p:spPr bwMode="auto">
+          <a:xfrm>
+            <a:off x="2573924" y="2538311"/>
+            <a:ext cx="3600000" cy="879023"/>
+          </a:xfrm>
+          <a:prstGeom prst="rect">
+            <a:avLst/>
+          </a:prstGeom>
+          <a:noFill/>
+          <a:ln>
+            <a:noFill/>
+          </a:ln>
+          <a:extLst>
+            <a:ext uri="{909E8E84-426E-40DD-AFC4-6F175D3DCCD1}">
+              <a14:hiddenFill xmlns:a14="http://schemas.microsoft.com/office/drawing/2010/main">
+                <a:solidFill>
+                  <a:schemeClr val="accent1"/>
+                </a:solidFill>
+              </a14:hiddenFill>
+            </a:ext>
+            <a:ext uri="{91240B29-F687-4F45-9708-019B960494DF}">
+              <a14:hiddenLine xmlns:a14="http://schemas.microsoft.com/office/drawing/2010/main" w="9525">
+                <a:solidFill>
+                  <a:schemeClr val="tx1"/>
+                </a:solidFill>
+                <a:miter lim="800000"/>
+                <a:headEnd/>
+                <a:tailEnd/>
+              </a14:hiddenLine>
+            </a:ext>
+          </a:extLst>
+        </p:spPr>
+      </p:pic>
+      <p:pic>
+        <p:nvPicPr>
+          <p:cNvPr id="1026" name="Picture 2" descr="No image available"/>
+          <p:cNvPicPr>
+            <a:picLocks noChangeAspect="1" noChangeArrowheads="1"/>
+          </p:cNvPicPr>
+          <p:nvPr/>
+        </p:nvPicPr>
+        <p:blipFill rotWithShape="1">
+          <a:blip r:embed="rId4" cstate="print">
+            <a:extLst>
+              <a:ext uri="{28A0092B-C50C-407E-A947-70E740481C1C}">
+                <a14:useLocalDpi xmlns:a14="http://schemas.microsoft.com/office/drawing/2010/main" val="0"/>
+              </a:ext>
+            </a:extLst>
+          </a:blip>
+          <a:srcRect t="16665" b="-16665"/>
+          <a:stretch/>
+        </p:blipFill>
+        <p:spPr bwMode="auto">
+          <a:xfrm>
+            <a:off x="1775666" y="3212976"/>
+            <a:ext cx="4977944" cy="2160240"/>
+          </a:xfrm>
+          <a:prstGeom prst="rect">
+            <a:avLst/>
+          </a:prstGeom>
+          <a:noFill/>
+          <a:extLst>
+            <a:ext uri="{909E8E84-426E-40DD-AFC4-6F175D3DCCD1}">
+              <a14:hiddenFill xmlns:a14="http://schemas.microsoft.com/office/drawing/2010/main">
+                <a:solidFill>
+                  <a:srgbClr val="FFFFFF"/>
+                </a:solidFill>
+              </a14:hiddenFill>
+            </a:ext>
+          </a:extLst>
+        </p:spPr>
+      </p:pic>
+      <p:pic>
+        <p:nvPicPr>
+          <p:cNvPr id="1027" name="Picture 3"/>
+          <p:cNvPicPr>
+            <a:picLocks noChangeAspect="1" noChangeArrowheads="1"/>
+          </p:cNvPicPr>
+          <p:nvPr/>
+        </p:nvPicPr>
+        <p:blipFill rotWithShape="1">
+          <a:blip r:embed="rId5">
+            <a:extLst>
+              <a:ext uri="{28A0092B-C50C-407E-A947-70E740481C1C}">
+                <a14:useLocalDpi xmlns:a14="http://schemas.microsoft.com/office/drawing/2010/main" val="0"/>
+              </a:ext>
+            </a:extLst>
+          </a:blip>
+          <a:srcRect l="-637" t="-3" r="30354" b="36910"/>
+          <a:stretch/>
+        </p:blipFill>
+        <p:spPr bwMode="auto">
+          <a:xfrm>
+            <a:off x="3995936" y="4509120"/>
+            <a:ext cx="4355976" cy="1241219"/>
+          </a:xfrm>
+          <a:prstGeom prst="rect">
+            <a:avLst/>
+          </a:prstGeom>
+          <a:noFill/>
+          <a:ln>
+            <a:noFill/>
+          </a:ln>
+          <a:extLst>
+            <a:ext uri="{909E8E84-426E-40DD-AFC4-6F175D3DCCD1}">
+              <a14:hiddenFill xmlns:a14="http://schemas.microsoft.com/office/drawing/2010/main">
+                <a:solidFill>
+                  <a:schemeClr val="accent1"/>
+                </a:solidFill>
+              </a14:hiddenFill>
+            </a:ext>
+            <a:ext uri="{91240B29-F687-4F45-9708-019B960494DF}">
+              <a14:hiddenLine xmlns:a14="http://schemas.microsoft.com/office/drawing/2010/main" w="9525">
+                <a:solidFill>
+                  <a:schemeClr val="tx1"/>
+                </a:solidFill>
+                <a:miter lim="800000"/>
+                <a:headEnd/>
+                <a:tailEnd/>
+              </a14:hiddenLine>
+            </a:ext>
+          </a:extLst>
+        </p:spPr>
+      </p:pic>
+      <p:sp>
+        <p:nvSpPr>
+          <p:cNvPr id="12" name="Titel 1"/>
+          <p:cNvSpPr>
+            <a:spLocks noGrp="1"/>
+          </p:cNvSpPr>
+          <p:nvPr>
+            <p:ph type="title"/>
+          </p:nvPr>
+        </p:nvSpPr>
+        <p:spPr>
+          <a:xfrm>
+            <a:off x="1043490" y="1027664"/>
+            <a:ext cx="7024744" cy="745152"/>
+          </a:xfrm>
+        </p:spPr>
+        <p:txBody>
+          <a:bodyPr/>
+          <a:lstStyle/>
+          <a:p>
+            <a:r>
+              <a:rPr lang="de-DE" dirty="0" smtClean="0"/>
+              <a:t>Wetterdaten</a:t>
+            </a:r>
+            <a:endParaRPr lang="en-GB" dirty="0"/>
+          </a:p>
+        </p:txBody>
+      </p:sp>
+      <p:sp>
+        <p:nvSpPr>
+          <p:cNvPr id="8" name="Textfeld 7"/>
+          <p:cNvSpPr txBox="1"/>
+          <p:nvPr/>
+        </p:nvSpPr>
+        <p:spPr>
+          <a:xfrm>
+            <a:off x="682054" y="6113338"/>
+            <a:ext cx="4538017" cy="276999"/>
+          </a:xfrm>
+          <a:prstGeom prst="rect">
+            <a:avLst/>
+          </a:prstGeom>
+          <a:noFill/>
+        </p:spPr>
+        <p:txBody>
+          <a:bodyPr wrap="square" rtlCol="0">
+            <a:spAutoFit/>
+          </a:bodyPr>
+          <a:lstStyle/>
+          <a:p>
+            <a:r>
+              <a:rPr lang="de-DE" sz="1200" dirty="0" smtClean="0"/>
+              <a:t>Quelle: </a:t>
+            </a:r>
+            <a:r>
+              <a:rPr lang="de-DE" sz="1200" dirty="0"/>
+              <a:t>Deutscher Wetterdienst (ftp://ftp-cdc.dwd.de)</a:t>
+            </a:r>
+            <a:endParaRPr lang="en-GB" sz="1200" dirty="0"/>
+          </a:p>
+        </p:txBody>
+      </p:sp>
+      <p:cxnSp>
+        <p:nvCxnSpPr>
+          <p:cNvPr id="10" name="Gewinkelte Verbindung 9"/>
+          <p:cNvCxnSpPr/>
+          <p:nvPr/>
+        </p:nvCxnSpPr>
+        <p:spPr>
+          <a:xfrm rot="16200000" flipH="1">
+            <a:off x="1116599" y="3717056"/>
+            <a:ext cx="432048" cy="432000"/>
+          </a:xfrm>
+          <a:prstGeom prst="bentConnector3">
+            <a:avLst>
+              <a:gd name="adj1" fmla="val 100543"/>
+            </a:avLst>
+          </a:prstGeom>
+          <a:ln w="31750">
+            <a:tailEnd type="arrow"/>
+          </a:ln>
+        </p:spPr>
+        <p:style>
+          <a:lnRef idx="1">
+            <a:schemeClr val="accent1"/>
+          </a:lnRef>
+          <a:fillRef idx="0">
+            <a:schemeClr val="accent1"/>
+          </a:fillRef>
+          <a:effectRef idx="0">
+            <a:schemeClr val="accent1"/>
+          </a:effectRef>
+          <a:fontRef idx="minor">
+            <a:schemeClr val="tx1"/>
+          </a:fontRef>
+        </p:style>
+      </p:cxnSp>
+      <p:cxnSp>
+        <p:nvCxnSpPr>
+          <p:cNvPr id="27" name="Gewinkelte Verbindung 26"/>
+          <p:cNvCxnSpPr/>
+          <p:nvPr/>
+        </p:nvCxnSpPr>
+        <p:spPr>
+          <a:xfrm rot="16200000" flipH="1">
+            <a:off x="3041062" y="5032091"/>
+            <a:ext cx="252000" cy="432000"/>
+          </a:xfrm>
+          <a:prstGeom prst="bentConnector3">
+            <a:avLst>
+              <a:gd name="adj1" fmla="val 100543"/>
+            </a:avLst>
+          </a:prstGeom>
+          <a:ln w="31750">
+            <a:tailEnd type="arrow"/>
+          </a:ln>
+        </p:spPr>
+        <p:style>
+          <a:lnRef idx="1">
+            <a:schemeClr val="accent1"/>
+          </a:lnRef>
+          <a:fillRef idx="0">
+            <a:schemeClr val="accent1"/>
+          </a:fillRef>
+          <a:effectRef idx="0">
+            <a:schemeClr val="accent1"/>
+          </a:effectRef>
+          <a:fontRef idx="minor">
+            <a:schemeClr val="tx1"/>
+          </a:fontRef>
+        </p:style>
+      </p:cxnSp>
+    </p:spTree>
+    <p:extLst>
+      <p:ext uri="{BB962C8B-B14F-4D97-AF65-F5344CB8AC3E}">
+        <p14:creationId xmlns:p14="http://schemas.microsoft.com/office/powerpoint/2010/main" val="452705959"/>
+      </p:ext>
+    </p:extLst>
+  </p:cSld>
+  <p:clrMapOvr>
+    <a:masterClrMapping/>
+  </p:clrMapOvr>
+  <p:timing>
+    <p:tnLst>
+      <p:par>
+        <p:cTn id="1" dur="indefinite" restart="never" nodeType="tmRoot"/>
+      </p:par>
+    </p:tnLst>
+  </p:timing>
+</p:sld>
+</file>
+
+<file path=ppt/slides/slide7.xml><?xml version="1.0" encoding="utf-8"?>
+<p:sld xmlns:a="http://schemas.openxmlformats.org/drawingml/2006/main" xmlns:r="http://schemas.openxmlformats.org/officeDocument/2006/relationships" xmlns:p="http://schemas.openxmlformats.org/presentationml/2006/main">
+  <p:cSld>
+    <p:spTree>
+      <p:nvGrpSpPr>
+        <p:cNvPr id="1" name=""/>
+        <p:cNvGrpSpPr/>
+        <p:nvPr/>
+      </p:nvGrpSpPr>
+      <p:grpSpPr>
+        <a:xfrm>
+          <a:off x="0" y="0"/>
+          <a:ext cx="0" cy="0"/>
+          <a:chOff x="0" y="0"/>
+          <a:chExt cx="0" cy="0"/>
+        </a:xfrm>
+      </p:grpSpPr>
+      <p:sp>
+        <p:nvSpPr>
+          <p:cNvPr id="7" name="Titel 1"/>
+          <p:cNvSpPr>
+            <a:spLocks noGrp="1"/>
+          </p:cNvSpPr>
+          <p:nvPr>
+            <p:ph type="title"/>
+          </p:nvPr>
+        </p:nvSpPr>
+        <p:spPr>
+          <a:xfrm>
+            <a:off x="1043490" y="1027664"/>
+            <a:ext cx="7024744" cy="745152"/>
+          </a:xfrm>
+        </p:spPr>
+        <p:txBody>
+          <a:bodyPr/>
+          <a:lstStyle/>
+          <a:p>
+            <a:r>
+              <a:rPr lang="de-DE" dirty="0" smtClean="0"/>
+              <a:t>Klimadaten</a:t>
+            </a:r>
+            <a:endParaRPr lang="en-GB" dirty="0"/>
+          </a:p>
+        </p:txBody>
+      </p:sp>
+      <p:sp>
+        <p:nvSpPr>
+          <p:cNvPr id="8" name="Textfeld 7"/>
+          <p:cNvSpPr txBox="1"/>
+          <p:nvPr/>
+        </p:nvSpPr>
+        <p:spPr>
+          <a:xfrm>
+            <a:off x="4644008" y="260648"/>
+            <a:ext cx="3469219" cy="276999"/>
+          </a:xfrm>
+          <a:prstGeom prst="rect">
+            <a:avLst/>
+          </a:prstGeom>
+          <a:noFill/>
+        </p:spPr>
+        <p:txBody>
+          <a:bodyPr wrap="none" rtlCol="0">
+            <a:spAutoFit/>
+          </a:bodyPr>
+          <a:lstStyle/>
+          <a:p>
+            <a:r>
+              <a:rPr lang="en-GB" sz="1200" dirty="0">
+                <a:solidFill>
+                  <a:srgbClr val="FEFEFE"/>
+                </a:solidFill>
+              </a:rPr>
+              <a:t>ODC 2016 - </a:t>
+            </a:r>
+            <a:r>
+              <a:rPr lang="en-GB" sz="1200" dirty="0" err="1">
+                <a:solidFill>
+                  <a:srgbClr val="FEFEFE"/>
+                </a:solidFill>
+              </a:rPr>
+              <a:t>Projekt</a:t>
+            </a:r>
+            <a:r>
+              <a:rPr lang="en-GB" sz="1200" dirty="0">
+                <a:solidFill>
+                  <a:srgbClr val="FEFEFE"/>
+                </a:solidFill>
+              </a:rPr>
+              <a:t> „Lass’ die </a:t>
+            </a:r>
+            <a:r>
+              <a:rPr lang="en-GB" sz="1200" dirty="0" err="1">
+                <a:solidFill>
+                  <a:srgbClr val="FEFEFE"/>
+                </a:solidFill>
+              </a:rPr>
+              <a:t>Karre</a:t>
+            </a:r>
+            <a:r>
+              <a:rPr lang="en-GB" sz="1200" dirty="0">
+                <a:solidFill>
+                  <a:srgbClr val="FEFEFE"/>
+                </a:solidFill>
+              </a:rPr>
+              <a:t> </a:t>
+            </a:r>
+            <a:r>
+              <a:rPr lang="en-GB" sz="1200" dirty="0" err="1">
+                <a:solidFill>
+                  <a:srgbClr val="FEFEFE"/>
+                </a:solidFill>
+              </a:rPr>
+              <a:t>steh‘n</a:t>
+            </a:r>
+            <a:r>
+              <a:rPr lang="en-GB" sz="1200" dirty="0">
+                <a:solidFill>
+                  <a:srgbClr val="FEFEFE"/>
+                </a:solidFill>
+              </a:rPr>
+              <a:t>!!!“</a:t>
+            </a:r>
+          </a:p>
+        </p:txBody>
+      </p:sp>
+      <p:pic>
+        <p:nvPicPr>
+          <p:cNvPr id="2050" name="Picture 2"/>
+          <p:cNvPicPr>
+            <a:picLocks noChangeAspect="1" noChangeArrowheads="1"/>
+          </p:cNvPicPr>
+          <p:nvPr/>
+        </p:nvPicPr>
+        <p:blipFill>
+          <a:blip r:embed="rId2">
+            <a:extLst>
+              <a:ext uri="{28A0092B-C50C-407E-A947-70E740481C1C}">
+                <a14:useLocalDpi xmlns:a14="http://schemas.microsoft.com/office/drawing/2010/main" val="0"/>
+              </a:ext>
+            </a:extLst>
+          </a:blip>
+          <a:srcRect/>
+          <a:stretch>
+            <a:fillRect/>
+          </a:stretch>
+        </p:blipFill>
+        <p:spPr bwMode="auto">
+          <a:xfrm>
+            <a:off x="827584" y="2276872"/>
+            <a:ext cx="3816424" cy="1591496"/>
+          </a:xfrm>
+          <a:prstGeom prst="rect">
+            <a:avLst/>
+          </a:prstGeom>
+          <a:noFill/>
+          <a:ln>
+            <a:noFill/>
+          </a:ln>
+          <a:extLst>
+            <a:ext uri="{909E8E84-426E-40DD-AFC4-6F175D3DCCD1}">
+              <a14:hiddenFill xmlns:a14="http://schemas.microsoft.com/office/drawing/2010/main">
+                <a:solidFill>
+                  <a:schemeClr val="accent1"/>
+                </a:solidFill>
+              </a14:hiddenFill>
+            </a:ext>
+            <a:ext uri="{91240B29-F687-4F45-9708-019B960494DF}">
+              <a14:hiddenLine xmlns:a14="http://schemas.microsoft.com/office/drawing/2010/main" w="9525">
+                <a:solidFill>
+                  <a:schemeClr val="tx1"/>
+                </a:solidFill>
+                <a:miter lim="800000"/>
+                <a:headEnd/>
+                <a:tailEnd/>
+              </a14:hiddenLine>
+            </a:ext>
+          </a:extLst>
+        </p:spPr>
+      </p:pic>
+      <p:sp>
+        <p:nvSpPr>
+          <p:cNvPr id="10" name="Textfeld 9"/>
+          <p:cNvSpPr txBox="1"/>
+          <p:nvPr/>
+        </p:nvSpPr>
+        <p:spPr>
+          <a:xfrm>
+            <a:off x="682054" y="6113338"/>
+            <a:ext cx="4538017" cy="276999"/>
+          </a:xfrm>
+          <a:prstGeom prst="rect">
+            <a:avLst/>
+          </a:prstGeom>
+          <a:noFill/>
+        </p:spPr>
+        <p:txBody>
+          <a:bodyPr wrap="square" rtlCol="0">
+            <a:spAutoFit/>
+          </a:bodyPr>
+          <a:lstStyle/>
+          <a:p>
+            <a:r>
+              <a:rPr lang="de-DE" sz="1200" dirty="0" smtClean="0"/>
+              <a:t>Quelle</a:t>
+            </a:r>
+            <a:r>
+              <a:rPr lang="de-DE" sz="1200" dirty="0"/>
+              <a:t>: umwelt.sachsen.de</a:t>
+            </a:r>
+            <a:endParaRPr lang="en-GB" sz="1200" dirty="0"/>
+          </a:p>
+        </p:txBody>
+      </p:sp>
+      <p:pic>
+        <p:nvPicPr>
+          <p:cNvPr id="2052" name="Picture 4" descr="https://evilham.com/a.png"/>
+          <p:cNvPicPr>
+            <a:picLocks noChangeAspect="1" noChangeArrowheads="1"/>
+          </p:cNvPicPr>
+          <p:nvPr/>
+        </p:nvPicPr>
+        <p:blipFill>
+          <a:blip r:embed="rId3">
+            <a:extLst>
+              <a:ext uri="{28A0092B-C50C-407E-A947-70E740481C1C}">
+                <a14:useLocalDpi xmlns:a14="http://schemas.microsoft.com/office/drawing/2010/main" val="0"/>
+              </a:ext>
+            </a:extLst>
+          </a:blip>
+          <a:srcRect/>
+          <a:stretch>
+            <a:fillRect/>
+          </a:stretch>
+        </p:blipFill>
+        <p:spPr bwMode="auto">
+          <a:xfrm>
+            <a:off x="2987824" y="2966099"/>
+            <a:ext cx="5075242" cy="3117575"/>
+          </a:xfrm>
+          <a:prstGeom prst="rect">
+            <a:avLst/>
+          </a:prstGeom>
+          <a:noFill/>
+          <a:extLst>
+            <a:ext uri="{909E8E84-426E-40DD-AFC4-6F175D3DCCD1}">
+              <a14:hiddenFill xmlns:a14="http://schemas.microsoft.com/office/drawing/2010/main">
+                <a:solidFill>
+                  <a:srgbClr val="FFFFFF"/>
+                </a:solidFill>
+              </a14:hiddenFill>
+            </a:ext>
+          </a:extLst>
+        </p:spPr>
+      </p:pic>
+    </p:spTree>
+    <p:extLst>
+      <p:ext uri="{BB962C8B-B14F-4D97-AF65-F5344CB8AC3E}">
+        <p14:creationId xmlns:p14="http://schemas.microsoft.com/office/powerpoint/2010/main" val="2990536697"/>
+      </p:ext>
+    </p:extLst>
+  </p:cSld>
+  <p:clrMapOvr>
+    <a:masterClrMapping/>
+  </p:clrMapOvr>
+  <p:timing>
+    <p:tnLst>
+      <p:par>
+        <p:cTn id="1" dur="indefinite" restart="never" nodeType="tmRoot"/>
+      </p:par>
+    </p:tnLst>
+  </p:timing>
+</p:sld>
+</file>
+
+<file path=ppt/slides/slide8.xml><?xml version="1.0" encoding="utf-8"?>
 <p:sld xmlns:a="http://schemas.openxmlformats.org/drawingml/2006/main" xmlns:r="http://schemas.openxmlformats.org/officeDocument/2006/relationships" xmlns:p="http://schemas.openxmlformats.org/presentationml/2006/main">
   <p:cSld>
     <p:spTree>

--- a/branding/OpenDataCrunch.pptx
+++ b/branding/OpenDataCrunch.pptx
@@ -4,6 +4,9 @@
   <p:sldMasterIdLst>
     <p:sldMasterId id="2147483792" r:id="rId1"/>
   </p:sldMasterIdLst>
+  <p:notesMasterIdLst>
+    <p:notesMasterId r:id="rId11"/>
+  </p:notesMasterIdLst>
   <p:sldIdLst>
     <p:sldId id="256" r:id="rId2"/>
     <p:sldId id="257" r:id="rId3"/>
@@ -13,6 +16,7 @@
     <p:sldId id="262" r:id="rId7"/>
     <p:sldId id="263" r:id="rId8"/>
     <p:sldId id="261" r:id="rId9"/>
+    <p:sldId id="264" r:id="rId10"/>
   </p:sldIdLst>
   <p:sldSz cx="9144000" cy="6858000" type="screen4x3"/>
   <p:notesSz cx="6858000" cy="9144000"/>
@@ -112,6 +116,440 @@
     </a:lvl9pPr>
   </p:defaultTextStyle>
 </p:presentation>
+</file>
+
+<file path=ppt/notesMasters/notesMaster1.xml><?xml version="1.0" encoding="utf-8"?>
+<p:notesMaster xmlns:a="http://schemas.openxmlformats.org/drawingml/2006/main" xmlns:r="http://schemas.openxmlformats.org/officeDocument/2006/relationships" xmlns:p="http://schemas.openxmlformats.org/presentationml/2006/main">
+  <p:cSld>
+    <p:bg>
+      <p:bgRef idx="1001">
+        <a:schemeClr val="bg1"/>
+      </p:bgRef>
+    </p:bg>
+    <p:spTree>
+      <p:nvGrpSpPr>
+        <p:cNvPr id="1" name=""/>
+        <p:cNvGrpSpPr/>
+        <p:nvPr/>
+      </p:nvGrpSpPr>
+      <p:grpSpPr>
+        <a:xfrm>
+          <a:off x="0" y="0"/>
+          <a:ext cx="0" cy="0"/>
+          <a:chOff x="0" y="0"/>
+          <a:chExt cx="0" cy="0"/>
+        </a:xfrm>
+      </p:grpSpPr>
+      <p:sp>
+        <p:nvSpPr>
+          <p:cNvPr id="2" name="Kopfzeilenplatzhalter 1"/>
+          <p:cNvSpPr>
+            <a:spLocks noGrp="1"/>
+          </p:cNvSpPr>
+          <p:nvPr>
+            <p:ph type="hdr" sz="quarter"/>
+          </p:nvPr>
+        </p:nvSpPr>
+        <p:spPr>
+          <a:xfrm>
+            <a:off x="0" y="0"/>
+            <a:ext cx="2971800" cy="457200"/>
+          </a:xfrm>
+          <a:prstGeom prst="rect">
+            <a:avLst/>
+          </a:prstGeom>
+        </p:spPr>
+        <p:txBody>
+          <a:bodyPr vert="horz" lIns="91440" tIns="45720" rIns="91440" bIns="45720" rtlCol="0"/>
+          <a:lstStyle>
+            <a:lvl1pPr algn="l">
+              <a:defRPr sz="1200"/>
+            </a:lvl1pPr>
+          </a:lstStyle>
+          <a:p>
+            <a:endParaRPr lang="en-US"/>
+          </a:p>
+        </p:txBody>
+      </p:sp>
+      <p:sp>
+        <p:nvSpPr>
+          <p:cNvPr id="3" name="Datumsplatzhalter 2"/>
+          <p:cNvSpPr>
+            <a:spLocks noGrp="1"/>
+          </p:cNvSpPr>
+          <p:nvPr>
+            <p:ph type="dt" idx="1"/>
+          </p:nvPr>
+        </p:nvSpPr>
+        <p:spPr>
+          <a:xfrm>
+            <a:off x="3884613" y="0"/>
+            <a:ext cx="2971800" cy="457200"/>
+          </a:xfrm>
+          <a:prstGeom prst="rect">
+            <a:avLst/>
+          </a:prstGeom>
+        </p:spPr>
+        <p:txBody>
+          <a:bodyPr vert="horz" lIns="91440" tIns="45720" rIns="91440" bIns="45720" rtlCol="0"/>
+          <a:lstStyle>
+            <a:lvl1pPr algn="r">
+              <a:defRPr sz="1200"/>
+            </a:lvl1pPr>
+          </a:lstStyle>
+          <a:p>
+            <a:fld id="{2C4F3843-D2EE-4B6A-8A34-B716818887B5}" type="datetimeFigureOut">
+              <a:rPr lang="en-US" smtClean="0"/>
+              <a:t>10/23/2016</a:t>
+            </a:fld>
+            <a:endParaRPr lang="en-US"/>
+          </a:p>
+        </p:txBody>
+      </p:sp>
+      <p:sp>
+        <p:nvSpPr>
+          <p:cNvPr id="4" name="Folienbildplatzhalter 3"/>
+          <p:cNvSpPr>
+            <a:spLocks noGrp="1" noRot="1" noChangeAspect="1"/>
+          </p:cNvSpPr>
+          <p:nvPr>
+            <p:ph type="sldImg" idx="2"/>
+          </p:nvPr>
+        </p:nvSpPr>
+        <p:spPr>
+          <a:xfrm>
+            <a:off x="1143000" y="685800"/>
+            <a:ext cx="4572000" cy="3429000"/>
+          </a:xfrm>
+          <a:prstGeom prst="rect">
+            <a:avLst/>
+          </a:prstGeom>
+          <a:noFill/>
+          <a:ln w="12700">
+            <a:solidFill>
+              <a:prstClr val="black"/>
+            </a:solidFill>
+          </a:ln>
+        </p:spPr>
+        <p:txBody>
+          <a:bodyPr vert="horz" lIns="91440" tIns="45720" rIns="91440" bIns="45720" rtlCol="0" anchor="ctr"/>
+          <a:lstStyle/>
+          <a:p>
+            <a:endParaRPr lang="en-US"/>
+          </a:p>
+        </p:txBody>
+      </p:sp>
+      <p:sp>
+        <p:nvSpPr>
+          <p:cNvPr id="5" name="Notizenplatzhalter 4"/>
+          <p:cNvSpPr>
+            <a:spLocks noGrp="1"/>
+          </p:cNvSpPr>
+          <p:nvPr>
+            <p:ph type="body" sz="quarter" idx="3"/>
+          </p:nvPr>
+        </p:nvSpPr>
+        <p:spPr>
+          <a:xfrm>
+            <a:off x="685800" y="4343400"/>
+            <a:ext cx="5486400" cy="4114800"/>
+          </a:xfrm>
+          <a:prstGeom prst="rect">
+            <a:avLst/>
+          </a:prstGeom>
+        </p:spPr>
+        <p:txBody>
+          <a:bodyPr vert="horz" lIns="91440" tIns="45720" rIns="91440" bIns="45720" rtlCol="0"/>
+          <a:lstStyle/>
+          <a:p>
+            <a:pPr lvl="0"/>
+            <a:r>
+              <a:rPr lang="de-DE" smtClean="0"/>
+              <a:t>Textmasterformat bearbeiten</a:t>
+            </a:r>
+          </a:p>
+          <a:p>
+            <a:pPr lvl="1"/>
+            <a:r>
+              <a:rPr lang="de-DE" smtClean="0"/>
+              <a:t>Zweite Ebene</a:t>
+            </a:r>
+          </a:p>
+          <a:p>
+            <a:pPr lvl="2"/>
+            <a:r>
+              <a:rPr lang="de-DE" smtClean="0"/>
+              <a:t>Dritte Ebene</a:t>
+            </a:r>
+          </a:p>
+          <a:p>
+            <a:pPr lvl="3"/>
+            <a:r>
+              <a:rPr lang="de-DE" smtClean="0"/>
+              <a:t>Vierte Ebene</a:t>
+            </a:r>
+          </a:p>
+          <a:p>
+            <a:pPr lvl="4"/>
+            <a:r>
+              <a:rPr lang="de-DE" smtClean="0"/>
+              <a:t>Fünfte Ebene</a:t>
+            </a:r>
+            <a:endParaRPr lang="en-US"/>
+          </a:p>
+        </p:txBody>
+      </p:sp>
+      <p:sp>
+        <p:nvSpPr>
+          <p:cNvPr id="6" name="Fußzeilenplatzhalter 5"/>
+          <p:cNvSpPr>
+            <a:spLocks noGrp="1"/>
+          </p:cNvSpPr>
+          <p:nvPr>
+            <p:ph type="ftr" sz="quarter" idx="4"/>
+          </p:nvPr>
+        </p:nvSpPr>
+        <p:spPr>
+          <a:xfrm>
+            <a:off x="0" y="8685213"/>
+            <a:ext cx="2971800" cy="457200"/>
+          </a:xfrm>
+          <a:prstGeom prst="rect">
+            <a:avLst/>
+          </a:prstGeom>
+        </p:spPr>
+        <p:txBody>
+          <a:bodyPr vert="horz" lIns="91440" tIns="45720" rIns="91440" bIns="45720" rtlCol="0" anchor="b"/>
+          <a:lstStyle>
+            <a:lvl1pPr algn="l">
+              <a:defRPr sz="1200"/>
+            </a:lvl1pPr>
+          </a:lstStyle>
+          <a:p>
+            <a:endParaRPr lang="en-US"/>
+          </a:p>
+        </p:txBody>
+      </p:sp>
+      <p:sp>
+        <p:nvSpPr>
+          <p:cNvPr id="7" name="Foliennummernplatzhalter 6"/>
+          <p:cNvSpPr>
+            <a:spLocks noGrp="1"/>
+          </p:cNvSpPr>
+          <p:nvPr>
+            <p:ph type="sldNum" sz="quarter" idx="5"/>
+          </p:nvPr>
+        </p:nvSpPr>
+        <p:spPr>
+          <a:xfrm>
+            <a:off x="3884613" y="8685213"/>
+            <a:ext cx="2971800" cy="457200"/>
+          </a:xfrm>
+          <a:prstGeom prst="rect">
+            <a:avLst/>
+          </a:prstGeom>
+        </p:spPr>
+        <p:txBody>
+          <a:bodyPr vert="horz" lIns="91440" tIns="45720" rIns="91440" bIns="45720" rtlCol="0" anchor="b"/>
+          <a:lstStyle>
+            <a:lvl1pPr algn="r">
+              <a:defRPr sz="1200"/>
+            </a:lvl1pPr>
+          </a:lstStyle>
+          <a:p>
+            <a:fld id="{5C4B0F58-183B-4C9C-A959-BA14A6A036EA}" type="slidenum">
+              <a:rPr lang="en-US" smtClean="0"/>
+              <a:t>‹Nr.›</a:t>
+            </a:fld>
+            <a:endParaRPr lang="en-US"/>
+          </a:p>
+        </p:txBody>
+      </p:sp>
+    </p:spTree>
+    <p:extLst>
+      <p:ext uri="{BB962C8B-B14F-4D97-AF65-F5344CB8AC3E}">
+        <p14:creationId xmlns:p14="http://schemas.microsoft.com/office/powerpoint/2010/main" val="2413627587"/>
+      </p:ext>
+    </p:extLst>
+  </p:cSld>
+  <p:clrMap bg1="lt1" tx1="dk1" bg2="lt2" tx2="dk2" accent1="accent1" accent2="accent2" accent3="accent3" accent4="accent4" accent5="accent5" accent6="accent6" hlink="hlink" folHlink="folHlink"/>
+  <p:notesStyle>
+    <a:lvl1pPr marL="0" algn="l" defTabSz="914400" rtl="0" eaLnBrk="1" latinLnBrk="0" hangingPunct="1">
+      <a:defRPr sz="1200" kern="1200">
+        <a:solidFill>
+          <a:schemeClr val="tx1"/>
+        </a:solidFill>
+        <a:latin typeface="+mn-lt"/>
+        <a:ea typeface="+mn-ea"/>
+        <a:cs typeface="+mn-cs"/>
+      </a:defRPr>
+    </a:lvl1pPr>
+    <a:lvl2pPr marL="457200" algn="l" defTabSz="914400" rtl="0" eaLnBrk="1" latinLnBrk="0" hangingPunct="1">
+      <a:defRPr sz="1200" kern="1200">
+        <a:solidFill>
+          <a:schemeClr val="tx1"/>
+        </a:solidFill>
+        <a:latin typeface="+mn-lt"/>
+        <a:ea typeface="+mn-ea"/>
+        <a:cs typeface="+mn-cs"/>
+      </a:defRPr>
+    </a:lvl2pPr>
+    <a:lvl3pPr marL="914400" algn="l" defTabSz="914400" rtl="0" eaLnBrk="1" latinLnBrk="0" hangingPunct="1">
+      <a:defRPr sz="1200" kern="1200">
+        <a:solidFill>
+          <a:schemeClr val="tx1"/>
+        </a:solidFill>
+        <a:latin typeface="+mn-lt"/>
+        <a:ea typeface="+mn-ea"/>
+        <a:cs typeface="+mn-cs"/>
+      </a:defRPr>
+    </a:lvl3pPr>
+    <a:lvl4pPr marL="1371600" algn="l" defTabSz="914400" rtl="0" eaLnBrk="1" latinLnBrk="0" hangingPunct="1">
+      <a:defRPr sz="1200" kern="1200">
+        <a:solidFill>
+          <a:schemeClr val="tx1"/>
+        </a:solidFill>
+        <a:latin typeface="+mn-lt"/>
+        <a:ea typeface="+mn-ea"/>
+        <a:cs typeface="+mn-cs"/>
+      </a:defRPr>
+    </a:lvl4pPr>
+    <a:lvl5pPr marL="1828800" algn="l" defTabSz="914400" rtl="0" eaLnBrk="1" latinLnBrk="0" hangingPunct="1">
+      <a:defRPr sz="1200" kern="1200">
+        <a:solidFill>
+          <a:schemeClr val="tx1"/>
+        </a:solidFill>
+        <a:latin typeface="+mn-lt"/>
+        <a:ea typeface="+mn-ea"/>
+        <a:cs typeface="+mn-cs"/>
+      </a:defRPr>
+    </a:lvl5pPr>
+    <a:lvl6pPr marL="2286000" algn="l" defTabSz="914400" rtl="0" eaLnBrk="1" latinLnBrk="0" hangingPunct="1">
+      <a:defRPr sz="1200" kern="1200">
+        <a:solidFill>
+          <a:schemeClr val="tx1"/>
+        </a:solidFill>
+        <a:latin typeface="+mn-lt"/>
+        <a:ea typeface="+mn-ea"/>
+        <a:cs typeface="+mn-cs"/>
+      </a:defRPr>
+    </a:lvl6pPr>
+    <a:lvl7pPr marL="2743200" algn="l" defTabSz="914400" rtl="0" eaLnBrk="1" latinLnBrk="0" hangingPunct="1">
+      <a:defRPr sz="1200" kern="1200">
+        <a:solidFill>
+          <a:schemeClr val="tx1"/>
+        </a:solidFill>
+        <a:latin typeface="+mn-lt"/>
+        <a:ea typeface="+mn-ea"/>
+        <a:cs typeface="+mn-cs"/>
+      </a:defRPr>
+    </a:lvl7pPr>
+    <a:lvl8pPr marL="3200400" algn="l" defTabSz="914400" rtl="0" eaLnBrk="1" latinLnBrk="0" hangingPunct="1">
+      <a:defRPr sz="1200" kern="1200">
+        <a:solidFill>
+          <a:schemeClr val="tx1"/>
+        </a:solidFill>
+        <a:latin typeface="+mn-lt"/>
+        <a:ea typeface="+mn-ea"/>
+        <a:cs typeface="+mn-cs"/>
+      </a:defRPr>
+    </a:lvl8pPr>
+    <a:lvl9pPr marL="3657600" algn="l" defTabSz="914400" rtl="0" eaLnBrk="1" latinLnBrk="0" hangingPunct="1">
+      <a:defRPr sz="1200" kern="1200">
+        <a:solidFill>
+          <a:schemeClr val="tx1"/>
+        </a:solidFill>
+        <a:latin typeface="+mn-lt"/>
+        <a:ea typeface="+mn-ea"/>
+        <a:cs typeface="+mn-cs"/>
+      </a:defRPr>
+    </a:lvl9pPr>
+  </p:notesStyle>
+</p:notesMaster>
+</file>
+
+<file path=ppt/notesSlides/notesSlide1.xml><?xml version="1.0" encoding="utf-8"?>
+<p:notes xmlns:a="http://schemas.openxmlformats.org/drawingml/2006/main" xmlns:r="http://schemas.openxmlformats.org/officeDocument/2006/relationships" xmlns:p="http://schemas.openxmlformats.org/presentationml/2006/main">
+  <p:cSld>
+    <p:spTree>
+      <p:nvGrpSpPr>
+        <p:cNvPr id="1" name=""/>
+        <p:cNvGrpSpPr/>
+        <p:nvPr/>
+      </p:nvGrpSpPr>
+      <p:grpSpPr>
+        <a:xfrm>
+          <a:off x="0" y="0"/>
+          <a:ext cx="0" cy="0"/>
+          <a:chOff x="0" y="0"/>
+          <a:chExt cx="0" cy="0"/>
+        </a:xfrm>
+      </p:grpSpPr>
+      <p:sp>
+        <p:nvSpPr>
+          <p:cNvPr id="2" name="Folienbildplatzhalter 1"/>
+          <p:cNvSpPr>
+            <a:spLocks noGrp="1" noRot="1" noChangeAspect="1"/>
+          </p:cNvSpPr>
+          <p:nvPr>
+            <p:ph type="sldImg"/>
+          </p:nvPr>
+        </p:nvSpPr>
+        <p:spPr/>
+      </p:sp>
+      <p:sp>
+        <p:nvSpPr>
+          <p:cNvPr id="3" name="Notizenplatzhalter 2"/>
+          <p:cNvSpPr>
+            <a:spLocks noGrp="1"/>
+          </p:cNvSpPr>
+          <p:nvPr>
+            <p:ph type="body" idx="1"/>
+          </p:nvPr>
+        </p:nvSpPr>
+        <p:spPr/>
+        <p:txBody>
+          <a:bodyPr/>
+          <a:lstStyle/>
+          <a:p>
+            <a:endParaRPr lang="en-US" dirty="0"/>
+          </a:p>
+        </p:txBody>
+      </p:sp>
+      <p:sp>
+        <p:nvSpPr>
+          <p:cNvPr id="4" name="Foliennummernplatzhalter 3"/>
+          <p:cNvSpPr>
+            <a:spLocks noGrp="1"/>
+          </p:cNvSpPr>
+          <p:nvPr>
+            <p:ph type="sldNum" sz="quarter" idx="10"/>
+          </p:nvPr>
+        </p:nvSpPr>
+        <p:spPr/>
+        <p:txBody>
+          <a:bodyPr/>
+          <a:lstStyle/>
+          <a:p>
+            <a:fld id="{5C4B0F58-183B-4C9C-A959-BA14A6A036EA}" type="slidenum">
+              <a:rPr lang="en-US" smtClean="0"/>
+              <a:t>9</a:t>
+            </a:fld>
+            <a:endParaRPr lang="en-US"/>
+          </a:p>
+        </p:txBody>
+      </p:sp>
+    </p:spTree>
+    <p:extLst>
+      <p:ext uri="{BB962C8B-B14F-4D97-AF65-F5344CB8AC3E}">
+        <p14:creationId xmlns:p14="http://schemas.microsoft.com/office/powerpoint/2010/main" val="1438493282"/>
+      </p:ext>
+    </p:extLst>
+  </p:cSld>
+  <p:clrMapOvr>
+    <a:masterClrMapping/>
+  </p:clrMapOvr>
+</p:notes>
 </file>
 
 <file path=ppt/slideLayouts/slideLayout1.xml><?xml version="1.0" encoding="utf-8"?>
@@ -16237,6 +16675,740 @@
 </p:sld>
 </file>
 
+<file path=ppt/slides/slide9.xml><?xml version="1.0" encoding="utf-8"?>
+<p:sld xmlns:a="http://schemas.openxmlformats.org/drawingml/2006/main" xmlns:r="http://schemas.openxmlformats.org/officeDocument/2006/relationships" xmlns:p="http://schemas.openxmlformats.org/presentationml/2006/main">
+  <p:cSld>
+    <p:spTree>
+      <p:nvGrpSpPr>
+        <p:cNvPr id="1" name=""/>
+        <p:cNvGrpSpPr/>
+        <p:nvPr/>
+      </p:nvGrpSpPr>
+      <p:grpSpPr>
+        <a:xfrm>
+          <a:off x="0" y="0"/>
+          <a:ext cx="0" cy="0"/>
+          <a:chOff x="0" y="0"/>
+          <a:chExt cx="0" cy="0"/>
+        </a:xfrm>
+      </p:grpSpPr>
+      <p:sp>
+        <p:nvSpPr>
+          <p:cNvPr id="3" name="Fußzeilenplatzhalter 2"/>
+          <p:cNvSpPr>
+            <a:spLocks noGrp="1"/>
+          </p:cNvSpPr>
+          <p:nvPr>
+            <p:ph type="ftr" sz="quarter" idx="11"/>
+          </p:nvPr>
+        </p:nvSpPr>
+        <p:spPr/>
+        <p:txBody>
+          <a:bodyPr/>
+          <a:lstStyle/>
+          <a:p>
+            <a:endParaRPr lang="en-US"/>
+          </a:p>
+        </p:txBody>
+      </p:sp>
+      <p:sp>
+        <p:nvSpPr>
+          <p:cNvPr id="4" name="Foliennummernplatzhalter 3"/>
+          <p:cNvSpPr>
+            <a:spLocks noGrp="1"/>
+          </p:cNvSpPr>
+          <p:nvPr>
+            <p:ph type="sldNum" sz="quarter" idx="12"/>
+          </p:nvPr>
+        </p:nvSpPr>
+        <p:spPr>
+          <a:xfrm>
+            <a:off x="4649096" y="224491"/>
+            <a:ext cx="3451296" cy="365125"/>
+          </a:xfrm>
+        </p:spPr>
+        <p:txBody>
+          <a:bodyPr/>
+          <a:lstStyle/>
+          <a:p>
+            <a:r>
+              <a:rPr lang="en-GB" dirty="0"/>
+              <a:t>ODC 2016 - </a:t>
+            </a:r>
+            <a:r>
+              <a:rPr lang="en-GB" dirty="0" err="1"/>
+              <a:t>Projekt</a:t>
+            </a:r>
+            <a:r>
+              <a:rPr lang="en-GB" dirty="0"/>
+              <a:t> „Lass’ die </a:t>
+            </a:r>
+            <a:r>
+              <a:rPr lang="en-GB" dirty="0" err="1"/>
+              <a:t>Karre</a:t>
+            </a:r>
+            <a:r>
+              <a:rPr lang="en-GB" dirty="0"/>
+              <a:t> </a:t>
+            </a:r>
+            <a:r>
+              <a:rPr lang="en-GB" dirty="0" err="1"/>
+              <a:t>steh‘n</a:t>
+            </a:r>
+            <a:r>
+              <a:rPr lang="en-GB" dirty="0"/>
+              <a:t>!!!“</a:t>
+            </a:r>
+          </a:p>
+          <a:p>
+            <a:endParaRPr lang="en-US" dirty="0"/>
+          </a:p>
+        </p:txBody>
+      </p:sp>
+      <p:sp>
+        <p:nvSpPr>
+          <p:cNvPr id="5" name="Titel 1"/>
+          <p:cNvSpPr txBox="1">
+            <a:spLocks/>
+          </p:cNvSpPr>
+          <p:nvPr/>
+        </p:nvSpPr>
+        <p:spPr>
+          <a:xfrm>
+            <a:off x="827584" y="836712"/>
+            <a:ext cx="7024744" cy="745152"/>
+          </a:xfrm>
+          <a:prstGeom prst="rect">
+            <a:avLst/>
+          </a:prstGeom>
+        </p:spPr>
+        <p:txBody>
+          <a:bodyPr/>
+          <a:lstStyle>
+            <a:lvl1pPr algn="l" defTabSz="914400" rtl="0" eaLnBrk="1" latinLnBrk="0" hangingPunct="1">
+              <a:spcBef>
+                <a:spcPct val="0"/>
+              </a:spcBef>
+              <a:buNone/>
+              <a:defRPr sz="4000" kern="1200">
+                <a:solidFill>
+                  <a:schemeClr val="accent1"/>
+                </a:solidFill>
+                <a:latin typeface="+mj-lt"/>
+                <a:ea typeface="+mj-ea"/>
+                <a:cs typeface="+mj-cs"/>
+              </a:defRPr>
+            </a:lvl1pPr>
+            <a:lvl2pPr eaLnBrk="1" hangingPunct="1">
+              <a:defRPr>
+                <a:solidFill>
+                  <a:schemeClr val="tx2"/>
+                </a:solidFill>
+              </a:defRPr>
+            </a:lvl2pPr>
+            <a:lvl3pPr eaLnBrk="1" hangingPunct="1">
+              <a:defRPr>
+                <a:solidFill>
+                  <a:schemeClr val="tx2"/>
+                </a:solidFill>
+              </a:defRPr>
+            </a:lvl3pPr>
+            <a:lvl4pPr eaLnBrk="1" hangingPunct="1">
+              <a:defRPr>
+                <a:solidFill>
+                  <a:schemeClr val="tx2"/>
+                </a:solidFill>
+              </a:defRPr>
+            </a:lvl4pPr>
+            <a:lvl5pPr eaLnBrk="1" hangingPunct="1">
+              <a:defRPr>
+                <a:solidFill>
+                  <a:schemeClr val="tx2"/>
+                </a:solidFill>
+              </a:defRPr>
+            </a:lvl5pPr>
+            <a:lvl6pPr eaLnBrk="1" hangingPunct="1">
+              <a:defRPr>
+                <a:solidFill>
+                  <a:schemeClr val="tx2"/>
+                </a:solidFill>
+              </a:defRPr>
+            </a:lvl6pPr>
+            <a:lvl7pPr eaLnBrk="1" hangingPunct="1">
+              <a:defRPr>
+                <a:solidFill>
+                  <a:schemeClr val="tx2"/>
+                </a:solidFill>
+              </a:defRPr>
+            </a:lvl7pPr>
+            <a:lvl8pPr eaLnBrk="1" hangingPunct="1">
+              <a:defRPr>
+                <a:solidFill>
+                  <a:schemeClr val="tx2"/>
+                </a:solidFill>
+              </a:defRPr>
+            </a:lvl8pPr>
+            <a:lvl9pPr eaLnBrk="1" hangingPunct="1">
+              <a:defRPr>
+                <a:solidFill>
+                  <a:schemeClr val="tx2"/>
+                </a:solidFill>
+              </a:defRPr>
+            </a:lvl9pPr>
+          </a:lstStyle>
+          <a:p>
+            <a:r>
+              <a:rPr lang="de-DE" dirty="0" smtClean="0"/>
+              <a:t>Zielerreichung</a:t>
+            </a:r>
+            <a:endParaRPr lang="en-GB" dirty="0"/>
+          </a:p>
+        </p:txBody>
+      </p:sp>
+      <p:graphicFrame>
+        <p:nvGraphicFramePr>
+          <p:cNvPr id="8" name="Tabelle 7"/>
+          <p:cNvGraphicFramePr>
+            <a:graphicFrameLocks noGrp="1"/>
+          </p:cNvGraphicFramePr>
+          <p:nvPr>
+            <p:extLst>
+              <p:ext uri="{D42A27DB-BD31-4B8C-83A1-F6EECF244321}">
+                <p14:modId xmlns:p14="http://schemas.microsoft.com/office/powerpoint/2010/main" val="1428675948"/>
+              </p:ext>
+            </p:extLst>
+          </p:nvPr>
+        </p:nvGraphicFramePr>
+        <p:xfrm>
+          <a:off x="855786" y="1823328"/>
+          <a:ext cx="7172597" cy="3037840"/>
+        </p:xfrm>
+        <a:graphic>
+          <a:graphicData uri="http://schemas.openxmlformats.org/drawingml/2006/table">
+            <a:tbl>
+              <a:tblPr firstRow="1" bandRow="1">
+                <a:tableStyleId>{5C22544A-7EE6-4342-B048-85BDC9FD1C3A}</a:tableStyleId>
+              </a:tblPr>
+              <a:tblGrid>
+                <a:gridCol w="5846034"/>
+                <a:gridCol w="1326563"/>
+              </a:tblGrid>
+              <a:tr h="370840">
+                <a:tc>
+                  <a:txBody>
+                    <a:bodyPr/>
+                    <a:lstStyle/>
+                    <a:p>
+                      <a:r>
+                        <a:rPr lang="en-US" dirty="0" err="1" smtClean="0"/>
+                        <a:t>Ziel</a:t>
+                      </a:r>
+                      <a:endParaRPr lang="en-US" dirty="0"/>
+                    </a:p>
+                  </a:txBody>
+                  <a:tcPr/>
+                </a:tc>
+                <a:tc>
+                  <a:txBody>
+                    <a:bodyPr/>
+                    <a:lstStyle/>
+                    <a:p>
+                      <a:r>
+                        <a:rPr lang="en-US" dirty="0" smtClean="0"/>
+                        <a:t>Status</a:t>
+                      </a:r>
+                      <a:endParaRPr lang="en-US" dirty="0"/>
+                    </a:p>
+                  </a:txBody>
+                  <a:tcPr/>
+                </a:tc>
+              </a:tr>
+              <a:tr h="370840">
+                <a:tc>
+                  <a:txBody>
+                    <a:bodyPr/>
+                    <a:lstStyle/>
+                    <a:p>
+                      <a:pPr marL="0" marR="0" indent="0" algn="l" defTabSz="914400" rtl="0" eaLnBrk="1" fontAlgn="auto" latinLnBrk="0" hangingPunct="1">
+                        <a:lnSpc>
+                          <a:spcPct val="100000"/>
+                        </a:lnSpc>
+                        <a:spcBef>
+                          <a:spcPts val="0"/>
+                        </a:spcBef>
+                        <a:spcAft>
+                          <a:spcPts val="0"/>
+                        </a:spcAft>
+                        <a:buClrTx/>
+                        <a:buSzTx/>
+                        <a:buFontTx/>
+                        <a:buNone/>
+                        <a:tabLst/>
+                        <a:defRPr/>
+                      </a:pPr>
+                      <a:r>
+                        <a:rPr lang="de-DE" sz="1800" dirty="0" smtClean="0"/>
+                        <a:t>Entwicklung einer prototypischen Anwendung</a:t>
+                      </a:r>
+                    </a:p>
+                  </a:txBody>
+                  <a:tcPr/>
+                </a:tc>
+                <a:tc>
+                  <a:txBody>
+                    <a:bodyPr/>
+                    <a:lstStyle/>
+                    <a:p>
+                      <a:endParaRPr lang="en-US" dirty="0"/>
+                    </a:p>
+                  </a:txBody>
+                  <a:tcPr/>
+                </a:tc>
+              </a:tr>
+              <a:tr h="370840">
+                <a:tc>
+                  <a:txBody>
+                    <a:bodyPr/>
+                    <a:lstStyle/>
+                    <a:p>
+                      <a:pPr marL="0" marR="0" indent="0" algn="l" defTabSz="914400" rtl="0" eaLnBrk="1" fontAlgn="auto" latinLnBrk="0" hangingPunct="1">
+                        <a:lnSpc>
+                          <a:spcPct val="100000"/>
+                        </a:lnSpc>
+                        <a:spcBef>
+                          <a:spcPts val="0"/>
+                        </a:spcBef>
+                        <a:spcAft>
+                          <a:spcPts val="0"/>
+                        </a:spcAft>
+                        <a:buClrTx/>
+                        <a:buSzTx/>
+                        <a:buFontTx/>
+                        <a:buNone/>
+                        <a:tabLst/>
+                        <a:defRPr/>
+                      </a:pPr>
+                      <a:r>
+                        <a:rPr lang="de-DE" sz="1800" dirty="0" err="1" smtClean="0"/>
+                        <a:t>Bluemix</a:t>
+                      </a:r>
+                      <a:r>
+                        <a:rPr lang="de-DE" sz="1800" dirty="0" smtClean="0"/>
+                        <a:t> Portierung</a:t>
+                      </a:r>
+                    </a:p>
+                  </a:txBody>
+                  <a:tcPr/>
+                </a:tc>
+                <a:tc>
+                  <a:txBody>
+                    <a:bodyPr/>
+                    <a:lstStyle/>
+                    <a:p>
+                      <a:endParaRPr lang="en-US" dirty="0"/>
+                    </a:p>
+                  </a:txBody>
+                  <a:tcPr/>
+                </a:tc>
+              </a:tr>
+              <a:tr h="370840">
+                <a:tc>
+                  <a:txBody>
+                    <a:bodyPr/>
+                    <a:lstStyle/>
+                    <a:p>
+                      <a:pPr marL="0" marR="0" indent="0" algn="l" defTabSz="914400" rtl="0" eaLnBrk="1" fontAlgn="auto" latinLnBrk="0" hangingPunct="1">
+                        <a:lnSpc>
+                          <a:spcPct val="100000"/>
+                        </a:lnSpc>
+                        <a:spcBef>
+                          <a:spcPts val="0"/>
+                        </a:spcBef>
+                        <a:spcAft>
+                          <a:spcPts val="0"/>
+                        </a:spcAft>
+                        <a:buClrTx/>
+                        <a:buSzTx/>
+                        <a:buFontTx/>
+                        <a:buNone/>
+                        <a:tabLst/>
+                        <a:defRPr/>
+                      </a:pPr>
+                      <a:r>
+                        <a:rPr lang="de-DE" sz="1800" dirty="0" smtClean="0"/>
+                        <a:t>Datenintegration verschiedener Open Data Quellen (dt. Wetterdienst, Umweltdaten Sachsen, Soll-Daten</a:t>
+                      </a:r>
+                      <a:r>
+                        <a:rPr lang="de-DE" sz="1800" baseline="0" dirty="0" smtClean="0"/>
+                        <a:t> DVB)</a:t>
+                      </a:r>
+                      <a:endParaRPr lang="de-DE" sz="1800" dirty="0" smtClean="0"/>
+                    </a:p>
+                  </a:txBody>
+                  <a:tcPr/>
+                </a:tc>
+                <a:tc>
+                  <a:txBody>
+                    <a:bodyPr/>
+                    <a:lstStyle/>
+                    <a:p>
+                      <a:endParaRPr lang="en-US" dirty="0"/>
+                    </a:p>
+                  </a:txBody>
+                  <a:tcPr/>
+                </a:tc>
+              </a:tr>
+              <a:tr h="370840">
+                <a:tc>
+                  <a:txBody>
+                    <a:bodyPr/>
+                    <a:lstStyle/>
+                    <a:p>
+                      <a:r>
+                        <a:rPr lang="en-US" dirty="0" err="1" smtClean="0"/>
+                        <a:t>Vorhersage</a:t>
+                      </a:r>
+                      <a:r>
+                        <a:rPr lang="en-US" dirty="0" smtClean="0"/>
+                        <a:t>-Modell auf Basis der </a:t>
+                      </a:r>
+                      <a:r>
+                        <a:rPr lang="en-US" dirty="0" err="1" smtClean="0"/>
+                        <a:t>integrierten</a:t>
+                      </a:r>
+                      <a:r>
+                        <a:rPr lang="en-US" dirty="0" smtClean="0"/>
+                        <a:t> </a:t>
+                      </a:r>
+                      <a:r>
+                        <a:rPr lang="en-US" dirty="0" err="1" smtClean="0"/>
+                        <a:t>Daten</a:t>
+                      </a:r>
+                      <a:endParaRPr lang="en-US" dirty="0"/>
+                    </a:p>
+                  </a:txBody>
+                  <a:tcPr/>
+                </a:tc>
+                <a:tc>
+                  <a:txBody>
+                    <a:bodyPr/>
+                    <a:lstStyle/>
+                    <a:p>
+                      <a:endParaRPr lang="en-US" dirty="0"/>
+                    </a:p>
+                  </a:txBody>
+                  <a:tcPr/>
+                </a:tc>
+              </a:tr>
+              <a:tr h="370840">
+                <a:tc>
+                  <a:txBody>
+                    <a:bodyPr/>
+                    <a:lstStyle/>
+                    <a:p>
+                      <a:r>
+                        <a:rPr lang="en-US" dirty="0" err="1" smtClean="0"/>
+                        <a:t>Automatisierte</a:t>
+                      </a:r>
+                      <a:r>
+                        <a:rPr lang="en-US" baseline="0" dirty="0" smtClean="0"/>
+                        <a:t> </a:t>
+                      </a:r>
+                      <a:r>
+                        <a:rPr lang="en-US" baseline="0" dirty="0" err="1" smtClean="0"/>
+                        <a:t>Abfrage</a:t>
+                      </a:r>
+                      <a:r>
+                        <a:rPr lang="en-US" baseline="0" dirty="0" smtClean="0"/>
+                        <a:t> </a:t>
+                      </a:r>
+                      <a:r>
+                        <a:rPr lang="en-US" baseline="0" dirty="0" err="1" smtClean="0"/>
+                        <a:t>aktueller</a:t>
+                      </a:r>
+                      <a:r>
+                        <a:rPr lang="en-US" baseline="0" dirty="0" smtClean="0"/>
+                        <a:t> </a:t>
+                      </a:r>
+                      <a:r>
+                        <a:rPr lang="en-US" baseline="0" dirty="0" err="1" smtClean="0"/>
+                        <a:t>Umweltdaten</a:t>
+                      </a:r>
+                      <a:r>
+                        <a:rPr lang="en-US" baseline="0" dirty="0" smtClean="0"/>
+                        <a:t> Sachsen (</a:t>
+                      </a:r>
+                      <a:r>
+                        <a:rPr lang="en-US" baseline="0" dirty="0" err="1" smtClean="0"/>
+                        <a:t>technische</a:t>
+                      </a:r>
+                      <a:r>
+                        <a:rPr lang="en-US" baseline="0" dirty="0" smtClean="0"/>
+                        <a:t> </a:t>
+                      </a:r>
+                      <a:r>
+                        <a:rPr lang="en-US" baseline="0" dirty="0" err="1" smtClean="0"/>
+                        <a:t>Limitierung</a:t>
+                      </a:r>
+                      <a:r>
+                        <a:rPr lang="en-US" baseline="0" dirty="0" smtClean="0"/>
+                        <a:t> der </a:t>
+                      </a:r>
+                      <a:r>
+                        <a:rPr lang="en-US" baseline="0" dirty="0" err="1" smtClean="0"/>
+                        <a:t>Schnittstelle</a:t>
+                      </a:r>
+                      <a:r>
+                        <a:rPr lang="en-US" baseline="0" dirty="0" smtClean="0"/>
+                        <a:t>)</a:t>
+                      </a:r>
+                      <a:endParaRPr lang="en-US" dirty="0"/>
+                    </a:p>
+                  </a:txBody>
+                  <a:tcPr/>
+                </a:tc>
+                <a:tc>
+                  <a:txBody>
+                    <a:bodyPr/>
+                    <a:lstStyle/>
+                    <a:p>
+                      <a:endParaRPr lang="en-US" dirty="0"/>
+                    </a:p>
+                  </a:txBody>
+                  <a:tcPr/>
+                </a:tc>
+              </a:tr>
+            </a:tbl>
+          </a:graphicData>
+        </a:graphic>
+      </p:graphicFrame>
+      <p:sp>
+        <p:nvSpPr>
+          <p:cNvPr id="9" name="Smiley 8"/>
+          <p:cNvSpPr/>
+          <p:nvPr/>
+        </p:nvSpPr>
+        <p:spPr>
+          <a:xfrm>
+            <a:off x="7092280" y="2276872"/>
+            <a:ext cx="254175" cy="216024"/>
+          </a:xfrm>
+          <a:prstGeom prst="smileyFace">
+            <a:avLst/>
+          </a:prstGeom>
+        </p:spPr>
+        <p:style>
+          <a:lnRef idx="2">
+            <a:schemeClr val="accent1">
+              <a:shade val="50000"/>
+            </a:schemeClr>
+          </a:lnRef>
+          <a:fillRef idx="1">
+            <a:schemeClr val="accent1"/>
+          </a:fillRef>
+          <a:effectRef idx="0">
+            <a:schemeClr val="accent1"/>
+          </a:effectRef>
+          <a:fontRef idx="minor">
+            <a:schemeClr val="lt1"/>
+          </a:fontRef>
+        </p:style>
+        <p:txBody>
+          <a:bodyPr rtlCol="0" anchor="ctr"/>
+          <a:lstStyle/>
+          <a:p>
+            <a:pPr algn="ctr"/>
+            <a:endParaRPr lang="en-US"/>
+          </a:p>
+        </p:txBody>
+      </p:sp>
+      <p:sp>
+        <p:nvSpPr>
+          <p:cNvPr id="10" name="Smiley 9"/>
+          <p:cNvSpPr/>
+          <p:nvPr/>
+        </p:nvSpPr>
+        <p:spPr>
+          <a:xfrm>
+            <a:off x="7092280" y="2636912"/>
+            <a:ext cx="254175" cy="216024"/>
+          </a:xfrm>
+          <a:prstGeom prst="smileyFace">
+            <a:avLst/>
+          </a:prstGeom>
+        </p:spPr>
+        <p:style>
+          <a:lnRef idx="2">
+            <a:schemeClr val="accent1">
+              <a:shade val="50000"/>
+            </a:schemeClr>
+          </a:lnRef>
+          <a:fillRef idx="1">
+            <a:schemeClr val="accent1"/>
+          </a:fillRef>
+          <a:effectRef idx="0">
+            <a:schemeClr val="accent1"/>
+          </a:effectRef>
+          <a:fontRef idx="minor">
+            <a:schemeClr val="lt1"/>
+          </a:fontRef>
+        </p:style>
+        <p:txBody>
+          <a:bodyPr rtlCol="0" anchor="ctr"/>
+          <a:lstStyle/>
+          <a:p>
+            <a:pPr algn="ctr"/>
+            <a:endParaRPr lang="en-US"/>
+          </a:p>
+        </p:txBody>
+      </p:sp>
+      <p:sp>
+        <p:nvSpPr>
+          <p:cNvPr id="11" name="Smiley 10"/>
+          <p:cNvSpPr/>
+          <p:nvPr/>
+        </p:nvSpPr>
+        <p:spPr>
+          <a:xfrm>
+            <a:off x="7100427" y="3212976"/>
+            <a:ext cx="254175" cy="216024"/>
+          </a:xfrm>
+          <a:prstGeom prst="smileyFace">
+            <a:avLst/>
+          </a:prstGeom>
+        </p:spPr>
+        <p:style>
+          <a:lnRef idx="2">
+            <a:schemeClr val="accent1">
+              <a:shade val="50000"/>
+            </a:schemeClr>
+          </a:lnRef>
+          <a:fillRef idx="1">
+            <a:schemeClr val="accent1"/>
+          </a:fillRef>
+          <a:effectRef idx="0">
+            <a:schemeClr val="accent1"/>
+          </a:effectRef>
+          <a:fontRef idx="minor">
+            <a:schemeClr val="lt1"/>
+          </a:fontRef>
+        </p:style>
+        <p:txBody>
+          <a:bodyPr rtlCol="0" anchor="ctr"/>
+          <a:lstStyle/>
+          <a:p>
+            <a:pPr algn="ctr"/>
+            <a:endParaRPr lang="en-US"/>
+          </a:p>
+        </p:txBody>
+      </p:sp>
+      <p:sp>
+        <p:nvSpPr>
+          <p:cNvPr id="12" name="&quot;Nein&quot;-Symbol 11"/>
+          <p:cNvSpPr/>
+          <p:nvPr/>
+        </p:nvSpPr>
+        <p:spPr>
+          <a:xfrm>
+            <a:off x="7119503" y="4437112"/>
+            <a:ext cx="216024" cy="216024"/>
+          </a:xfrm>
+          <a:prstGeom prst="noSmoking">
+            <a:avLst/>
+          </a:prstGeom>
+          <a:solidFill>
+            <a:srgbClr val="FF0000"/>
+          </a:solidFill>
+        </p:spPr>
+        <p:style>
+          <a:lnRef idx="2">
+            <a:schemeClr val="accent1">
+              <a:shade val="50000"/>
+            </a:schemeClr>
+          </a:lnRef>
+          <a:fillRef idx="1">
+            <a:schemeClr val="accent1"/>
+          </a:fillRef>
+          <a:effectRef idx="0">
+            <a:schemeClr val="accent1"/>
+          </a:effectRef>
+          <a:fontRef idx="minor">
+            <a:schemeClr val="lt1"/>
+          </a:fontRef>
+        </p:style>
+        <p:txBody>
+          <a:bodyPr rtlCol="0" anchor="ctr"/>
+          <a:lstStyle/>
+          <a:p>
+            <a:pPr algn="ctr"/>
+            <a:endParaRPr lang="en-US">
+              <a:solidFill>
+                <a:schemeClr val="tx1"/>
+              </a:solidFill>
+            </a:endParaRPr>
+          </a:p>
+        </p:txBody>
+      </p:sp>
+      <p:sp>
+        <p:nvSpPr>
+          <p:cNvPr id="13" name="Smiley 12"/>
+          <p:cNvSpPr/>
+          <p:nvPr/>
+        </p:nvSpPr>
+        <p:spPr>
+          <a:xfrm>
+            <a:off x="7092279" y="3933056"/>
+            <a:ext cx="254175" cy="216024"/>
+          </a:xfrm>
+          <a:prstGeom prst="smileyFace">
+            <a:avLst/>
+          </a:prstGeom>
+        </p:spPr>
+        <p:style>
+          <a:lnRef idx="2">
+            <a:schemeClr val="accent1">
+              <a:shade val="50000"/>
+            </a:schemeClr>
+          </a:lnRef>
+          <a:fillRef idx="1">
+            <a:schemeClr val="accent1"/>
+          </a:fillRef>
+          <a:effectRef idx="0">
+            <a:schemeClr val="accent1"/>
+          </a:effectRef>
+          <a:fontRef idx="minor">
+            <a:schemeClr val="lt1"/>
+          </a:fontRef>
+        </p:style>
+        <p:txBody>
+          <a:bodyPr rtlCol="0" anchor="ctr"/>
+          <a:lstStyle/>
+          <a:p>
+            <a:pPr algn="ctr"/>
+            <a:endParaRPr lang="en-US"/>
+          </a:p>
+        </p:txBody>
+      </p:sp>
+    </p:spTree>
+    <p:extLst>
+      <p:ext uri="{BB962C8B-B14F-4D97-AF65-F5344CB8AC3E}">
+        <p14:creationId xmlns:p14="http://schemas.microsoft.com/office/powerpoint/2010/main" val="3536533495"/>
+      </p:ext>
+    </p:extLst>
+  </p:cSld>
+  <p:clrMapOvr>
+    <a:masterClrMapping/>
+  </p:clrMapOvr>
+  <p:timing>
+    <p:tnLst>
+      <p:par>
+        <p:cTn id="1" dur="indefinite" restart="never" nodeType="tmRoot"/>
+      </p:par>
+    </p:tnLst>
+  </p:timing>
+</p:sld>
+</file>
+
 <file path=ppt/theme/theme1.xml><?xml version="1.0" encoding="utf-8"?>
 <a:theme xmlns:a="http://schemas.openxmlformats.org/drawingml/2006/main" name="Austin">
   <a:themeElements>
@@ -16521,4 +17693,289 @@
   <a:objectDefaults/>
   <a:extraClrSchemeLst/>
 </a:theme>
+</file>
+
+<file path=ppt/theme/theme2.xml><?xml version="1.0" encoding="utf-8"?>
+<a:theme xmlns:a="http://schemas.openxmlformats.org/drawingml/2006/main" name="Larissa">
+  <a:themeElements>
+    <a:clrScheme name="Larissa">
+      <a:dk1>
+        <a:sysClr val="windowText" lastClr="000000"/>
+      </a:dk1>
+      <a:lt1>
+        <a:sysClr val="window" lastClr="FFFFFF"/>
+      </a:lt1>
+      <a:dk2>
+        <a:srgbClr val="1F497D"/>
+      </a:dk2>
+      <a:lt2>
+        <a:srgbClr val="EEECE1"/>
+      </a:lt2>
+      <a:accent1>
+        <a:srgbClr val="4F81BD"/>
+      </a:accent1>
+      <a:accent2>
+        <a:srgbClr val="C0504D"/>
+      </a:accent2>
+      <a:accent3>
+        <a:srgbClr val="9BBB59"/>
+      </a:accent3>
+      <a:accent4>
+        <a:srgbClr val="8064A2"/>
+      </a:accent4>
+      <a:accent5>
+        <a:srgbClr val="4BACC6"/>
+      </a:accent5>
+      <a:accent6>
+        <a:srgbClr val="F79646"/>
+      </a:accent6>
+      <a:hlink>
+        <a:srgbClr val="0000FF"/>
+      </a:hlink>
+      <a:folHlink>
+        <a:srgbClr val="800080"/>
+      </a:folHlink>
+    </a:clrScheme>
+    <a:fontScheme name="Larissa">
+      <a:majorFont>
+        <a:latin typeface="Calibri"/>
+        <a:ea typeface=""/>
+        <a:cs typeface=""/>
+        <a:font script="Jpan" typeface="ＭＳ Ｐゴシック"/>
+        <a:font script="Hang" typeface="맑은 고딕"/>
+        <a:font script="Hans" typeface="宋体"/>
+        <a:font script="Hant" typeface="新細明體"/>
+        <a:font script="Arab" typeface="Times New Roman"/>
+        <a:font script="Hebr" typeface="Times New Roman"/>
+        <a:font script="Thai" typeface="Angsana New"/>
+        <a:font script="Ethi" typeface="Nyala"/>
+        <a:font script="Beng" typeface="Vrinda"/>
+        <a:font script="Gujr" typeface="Shruti"/>
+        <a:font script="Khmr" typeface="MoolBoran"/>
+        <a:font script="Knda" typeface="Tunga"/>
+        <a:font script="Guru" typeface="Raavi"/>
+        <a:font script="Cans" typeface="Euphemia"/>
+        <a:font script="Cher" typeface="Plantagenet Cherokee"/>
+        <a:font script="Yiii" typeface="Microsoft Yi Baiti"/>
+        <a:font script="Tibt" typeface="Microsoft Himalaya"/>
+        <a:font script="Thaa" typeface="MV Boli"/>
+        <a:font script="Deva" typeface="Mangal"/>
+        <a:font script="Telu" typeface="Gautami"/>
+        <a:font script="Taml" typeface="Latha"/>
+        <a:font script="Syrc" typeface="Estrangelo Edessa"/>
+        <a:font script="Orya" typeface="Kalinga"/>
+        <a:font script="Mlym" typeface="Kartika"/>
+        <a:font script="Laoo" typeface="DokChampa"/>
+        <a:font script="Sinh" typeface="Iskoola Pota"/>
+        <a:font script="Mong" typeface="Mongolian Baiti"/>
+        <a:font script="Viet" typeface="Times New Roman"/>
+        <a:font script="Uigh" typeface="Microsoft Uighur"/>
+        <a:font script="Geor" typeface="Sylfaen"/>
+      </a:majorFont>
+      <a:minorFont>
+        <a:latin typeface="Calibri"/>
+        <a:ea typeface=""/>
+        <a:cs typeface=""/>
+        <a:font script="Jpan" typeface="ＭＳ Ｐゴシック"/>
+        <a:font script="Hang" typeface="맑은 고딕"/>
+        <a:font script="Hans" typeface="宋体"/>
+        <a:font script="Hant" typeface="新細明體"/>
+        <a:font script="Arab" typeface="Arial"/>
+        <a:font script="Hebr" typeface="Arial"/>
+        <a:font script="Thai" typeface="Cordia New"/>
+        <a:font script="Ethi" typeface="Nyala"/>
+        <a:font script="Beng" typeface="Vrinda"/>
+        <a:font script="Gujr" typeface="Shruti"/>
+        <a:font script="Khmr" typeface="DaunPenh"/>
+        <a:font script="Knda" typeface="Tunga"/>
+        <a:font script="Guru" typeface="Raavi"/>
+        <a:font script="Cans" typeface="Euphemia"/>
+        <a:font script="Cher" typeface="Plantagenet Cherokee"/>
+        <a:font script="Yiii" typeface="Microsoft Yi Baiti"/>
+        <a:font script="Tibt" typeface="Microsoft Himalaya"/>
+        <a:font script="Thaa" typeface="MV Boli"/>
+        <a:font script="Deva" typeface="Mangal"/>
+        <a:font script="Telu" typeface="Gautami"/>
+        <a:font script="Taml" typeface="Latha"/>
+        <a:font script="Syrc" typeface="Estrangelo Edessa"/>
+        <a:font script="Orya" typeface="Kalinga"/>
+        <a:font script="Mlym" typeface="Kartika"/>
+        <a:font script="Laoo" typeface="DokChampa"/>
+        <a:font script="Sinh" typeface="Iskoola Pota"/>
+        <a:font script="Mong" typeface="Mongolian Baiti"/>
+        <a:font script="Viet" typeface="Arial"/>
+        <a:font script="Uigh" typeface="Microsoft Uighur"/>
+        <a:font script="Geor" typeface="Sylfaen"/>
+      </a:minorFont>
+    </a:fontScheme>
+    <a:fmtScheme name="Larissa">
+      <a:fillStyleLst>
+        <a:solidFill>
+          <a:schemeClr val="phClr"/>
+        </a:solidFill>
+        <a:gradFill rotWithShape="1">
+          <a:gsLst>
+            <a:gs pos="0">
+              <a:schemeClr val="phClr">
+                <a:tint val="50000"/>
+                <a:satMod val="300000"/>
+              </a:schemeClr>
+            </a:gs>
+            <a:gs pos="35000">
+              <a:schemeClr val="phClr">
+                <a:tint val="37000"/>
+                <a:satMod val="300000"/>
+              </a:schemeClr>
+            </a:gs>
+            <a:gs pos="100000">
+              <a:schemeClr val="phClr">
+                <a:tint val="15000"/>
+                <a:satMod val="350000"/>
+              </a:schemeClr>
+            </a:gs>
+          </a:gsLst>
+          <a:lin ang="16200000" scaled="1"/>
+        </a:gradFill>
+        <a:gradFill rotWithShape="1">
+          <a:gsLst>
+            <a:gs pos="0">
+              <a:schemeClr val="phClr">
+                <a:shade val="51000"/>
+                <a:satMod val="130000"/>
+              </a:schemeClr>
+            </a:gs>
+            <a:gs pos="80000">
+              <a:schemeClr val="phClr">
+                <a:shade val="93000"/>
+                <a:satMod val="130000"/>
+              </a:schemeClr>
+            </a:gs>
+            <a:gs pos="100000">
+              <a:schemeClr val="phClr">
+                <a:shade val="94000"/>
+                <a:satMod val="135000"/>
+              </a:schemeClr>
+            </a:gs>
+          </a:gsLst>
+          <a:lin ang="16200000" scaled="0"/>
+        </a:gradFill>
+      </a:fillStyleLst>
+      <a:lnStyleLst>
+        <a:ln w="9525" cap="flat" cmpd="sng" algn="ctr">
+          <a:solidFill>
+            <a:schemeClr val="phClr">
+              <a:shade val="95000"/>
+              <a:satMod val="105000"/>
+            </a:schemeClr>
+          </a:solidFill>
+          <a:prstDash val="solid"/>
+        </a:ln>
+        <a:ln w="25400" cap="flat" cmpd="sng" algn="ctr">
+          <a:solidFill>
+            <a:schemeClr val="phClr"/>
+          </a:solidFill>
+          <a:prstDash val="solid"/>
+        </a:ln>
+        <a:ln w="38100" cap="flat" cmpd="sng" algn="ctr">
+          <a:solidFill>
+            <a:schemeClr val="phClr"/>
+          </a:solidFill>
+          <a:prstDash val="solid"/>
+        </a:ln>
+      </a:lnStyleLst>
+      <a:effectStyleLst>
+        <a:effectStyle>
+          <a:effectLst>
+            <a:outerShdw blurRad="40000" dist="20000" dir="5400000" rotWithShape="0">
+              <a:srgbClr val="000000">
+                <a:alpha val="38000"/>
+              </a:srgbClr>
+            </a:outerShdw>
+          </a:effectLst>
+        </a:effectStyle>
+        <a:effectStyle>
+          <a:effectLst>
+            <a:outerShdw blurRad="40000" dist="23000" dir="5400000" rotWithShape="0">
+              <a:srgbClr val="000000">
+                <a:alpha val="35000"/>
+              </a:srgbClr>
+            </a:outerShdw>
+          </a:effectLst>
+        </a:effectStyle>
+        <a:effectStyle>
+          <a:effectLst>
+            <a:outerShdw blurRad="40000" dist="23000" dir="5400000" rotWithShape="0">
+              <a:srgbClr val="000000">
+                <a:alpha val="35000"/>
+              </a:srgbClr>
+            </a:outerShdw>
+          </a:effectLst>
+          <a:scene3d>
+            <a:camera prst="orthographicFront">
+              <a:rot lat="0" lon="0" rev="0"/>
+            </a:camera>
+            <a:lightRig rig="threePt" dir="t">
+              <a:rot lat="0" lon="0" rev="1200000"/>
+            </a:lightRig>
+          </a:scene3d>
+          <a:sp3d>
+            <a:bevelT w="63500" h="25400"/>
+          </a:sp3d>
+        </a:effectStyle>
+      </a:effectStyleLst>
+      <a:bgFillStyleLst>
+        <a:solidFill>
+          <a:schemeClr val="phClr"/>
+        </a:solidFill>
+        <a:gradFill rotWithShape="1">
+          <a:gsLst>
+            <a:gs pos="0">
+              <a:schemeClr val="phClr">
+                <a:tint val="40000"/>
+                <a:satMod val="350000"/>
+              </a:schemeClr>
+            </a:gs>
+            <a:gs pos="40000">
+              <a:schemeClr val="phClr">
+                <a:tint val="45000"/>
+                <a:shade val="99000"/>
+                <a:satMod val="350000"/>
+              </a:schemeClr>
+            </a:gs>
+            <a:gs pos="100000">
+              <a:schemeClr val="phClr">
+                <a:shade val="20000"/>
+                <a:satMod val="255000"/>
+              </a:schemeClr>
+            </a:gs>
+          </a:gsLst>
+          <a:path path="circle">
+            <a:fillToRect l="50000" t="-80000" r="50000" b="180000"/>
+          </a:path>
+        </a:gradFill>
+        <a:gradFill rotWithShape="1">
+          <a:gsLst>
+            <a:gs pos="0">
+              <a:schemeClr val="phClr">
+                <a:tint val="80000"/>
+                <a:satMod val="300000"/>
+              </a:schemeClr>
+            </a:gs>
+            <a:gs pos="100000">
+              <a:schemeClr val="phClr">
+                <a:shade val="30000"/>
+                <a:satMod val="200000"/>
+              </a:schemeClr>
+            </a:gs>
+          </a:gsLst>
+          <a:path path="circle">
+            <a:fillToRect l="50000" t="50000" r="50000" b="50000"/>
+          </a:path>
+        </a:gradFill>
+      </a:bgFillStyleLst>
+    </a:fmtScheme>
+  </a:themeElements>
+  <a:objectDefaults/>
+  <a:extraClrSchemeLst/>
+</a:theme>
 </file>
--- a/branding/OpenDataCrunch.pptx
+++ b/branding/OpenDataCrunch.pptx
@@ -16479,6 +16479,36 @@
           </a:extLst>
         </p:spPr>
       </p:pic>
+      <p:pic>
+        <p:nvPicPr>
+          <p:cNvPr id="2" name="Grafik 1"/>
+          <p:cNvPicPr>
+            <a:picLocks noChangeAspect="1"/>
+          </p:cNvPicPr>
+          <p:nvPr/>
+        </p:nvPicPr>
+        <p:blipFill>
+          <a:blip r:embed="rId4">
+            <a:extLst>
+              <a:ext uri="{28A0092B-C50C-407E-A947-70E740481C1C}">
+                <a14:useLocalDpi xmlns:a14="http://schemas.microsoft.com/office/drawing/2010/main" val="0"/>
+              </a:ext>
+            </a:extLst>
+          </a:blip>
+          <a:stretch>
+            <a:fillRect/>
+          </a:stretch>
+        </p:blipFill>
+        <p:spPr>
+          <a:xfrm>
+            <a:off x="4860032" y="1052736"/>
+            <a:ext cx="3384377" cy="2305979"/>
+          </a:xfrm>
+          <a:prstGeom prst="rect">
+            <a:avLst/>
+          </a:prstGeom>
+        </p:spPr>
+      </p:pic>
     </p:spTree>
     <p:extLst>
       <p:ext uri="{BB962C8B-B14F-4D97-AF65-F5344CB8AC3E}">
